--- a/AI_Solution_Match_Pitch_tsai.pptx
+++ b/AI_Solution_Match_Pitch_tsai.pptx
@@ -6,7 +6,7 @@
     <p:sldMasterId id="2147483660" r:id="rId2"/>
   </p:sldMasterIdLst>
   <p:notesMasterIdLst>
-    <p:notesMasterId r:id="rId19"/>
+    <p:notesMasterId r:id="rId20"/>
   </p:notesMasterIdLst>
   <p:sldIdLst>
     <p:sldId id="308" r:id="rId3"/>
@@ -25,6 +25,7 @@
     <p:sldId id="334" r:id="rId16"/>
     <p:sldId id="335" r:id="rId17"/>
     <p:sldId id="317" r:id="rId18"/>
+    <p:sldId id="343" r:id="rId19"/>
   </p:sldIdLst>
   <p:sldSz cx="12192000" cy="6858000"/>
   <p:notesSz cx="6858000" cy="9144000"/>
@@ -213,7 +214,7 @@
           <a:p>
             <a:fld id="{6E98BE4A-AFD6-49C0-8D88-1B78AF06DC71}" type="datetimeFigureOut">
               <a:rPr lang="zh-TW" altLang="en-US" smtClean="0"/>
-              <a:t>2018/6/6</a:t>
+              <a:t>2019/9/8</a:t>
             </a:fld>
             <a:endParaRPr lang="zh-TW" altLang="en-US"/>
           </a:p>
@@ -277,38 +278,37 @@
           <a:p>
             <a:pPr lvl="0"/>
             <a:r>
-              <a:rPr lang="zh-TW" altLang="en-US" smtClean="0"/>
+              <a:rPr lang="zh-TW" altLang="en-US"/>
               <a:t>按一下以編輯母片文字樣式</a:t>
             </a:r>
           </a:p>
           <a:p>
             <a:pPr lvl="1"/>
             <a:r>
-              <a:rPr lang="zh-TW" altLang="en-US" smtClean="0"/>
+              <a:rPr lang="zh-TW" altLang="en-US"/>
               <a:t>第二層</a:t>
             </a:r>
           </a:p>
           <a:p>
             <a:pPr lvl="2"/>
             <a:r>
-              <a:rPr lang="zh-TW" altLang="en-US" smtClean="0"/>
+              <a:rPr lang="zh-TW" altLang="en-US"/>
               <a:t>第三層</a:t>
             </a:r>
           </a:p>
           <a:p>
             <a:pPr lvl="3"/>
             <a:r>
-              <a:rPr lang="zh-TW" altLang="en-US" smtClean="0"/>
+              <a:rPr lang="zh-TW" altLang="en-US"/>
               <a:t>第四層</a:t>
             </a:r>
           </a:p>
           <a:p>
             <a:pPr lvl="4"/>
             <a:r>
-              <a:rPr lang="zh-TW" altLang="en-US" smtClean="0"/>
+              <a:rPr lang="zh-TW" altLang="en-US"/>
               <a:t>第五層</a:t>
             </a:r>
-            <a:endParaRPr lang="zh-TW" altLang="en-US"/>
           </a:p>
         </p:txBody>
       </p:sp>
@@ -526,10 +526,9 @@
           <a:lstStyle/>
           <a:p>
             <a:r>
-              <a:rPr lang="zh-TW" altLang="en-US" dirty="0" smtClean="0"/>
+              <a:rPr lang="zh-TW" altLang="en-US" dirty="0"/>
               <a:t>總而言之，上面各位正在解決的問題，我基本上都遇過，也曾經實作過演算法去解決，並且得到不錯的成效，</a:t>
             </a:r>
-            <a:endParaRPr lang="zh-TW" altLang="en-US" dirty="0"/>
           </a:p>
         </p:txBody>
       </p:sp>
@@ -611,10 +610,9 @@
           </a:lstStyle>
           <a:p>
             <a:r>
-              <a:rPr lang="zh-TW" altLang="en-US" smtClean="0"/>
+              <a:rPr lang="zh-TW" altLang="en-US"/>
               <a:t>按一下以編輯母片標題樣式</a:t>
             </a:r>
-            <a:endParaRPr lang="zh-TW" altLang="en-US"/>
           </a:p>
         </p:txBody>
       </p:sp>
@@ -676,10 +674,9 @@
           </a:lstStyle>
           <a:p>
             <a:r>
-              <a:rPr lang="zh-TW" altLang="en-US" smtClean="0"/>
+              <a:rPr lang="zh-TW" altLang="en-US"/>
               <a:t>按一下以編輯母片副標題樣式</a:t>
             </a:r>
-            <a:endParaRPr lang="zh-TW" altLang="en-US"/>
           </a:p>
         </p:txBody>
       </p:sp>
@@ -700,7 +697,7 @@
           <a:p>
             <a:fld id="{B40BCB5F-9DC2-4750-8492-07330E1FA86D}" type="datetimeFigureOut">
               <a:rPr lang="zh-TW" altLang="en-US" smtClean="0"/>
-              <a:t>2018/6/6</a:t>
+              <a:t>2019/9/8</a:t>
             </a:fld>
             <a:endParaRPr lang="zh-TW" altLang="en-US"/>
           </a:p>
@@ -794,10 +791,9 @@
           <a:lstStyle/>
           <a:p>
             <a:r>
-              <a:rPr lang="zh-TW" altLang="en-US" smtClean="0"/>
+              <a:rPr lang="zh-TW" altLang="en-US"/>
               <a:t>按一下以編輯母片標題樣式</a:t>
             </a:r>
-            <a:endParaRPr lang="zh-TW" altLang="en-US"/>
           </a:p>
         </p:txBody>
       </p:sp>
@@ -818,38 +814,37 @@
           <a:p>
             <a:pPr lvl="0"/>
             <a:r>
-              <a:rPr lang="zh-TW" altLang="en-US" smtClean="0"/>
+              <a:rPr lang="zh-TW" altLang="en-US"/>
               <a:t>按一下以編輯母片文字樣式</a:t>
             </a:r>
           </a:p>
           <a:p>
             <a:pPr lvl="1"/>
             <a:r>
-              <a:rPr lang="zh-TW" altLang="en-US" smtClean="0"/>
+              <a:rPr lang="zh-TW" altLang="en-US"/>
               <a:t>第二層</a:t>
             </a:r>
           </a:p>
           <a:p>
             <a:pPr lvl="2"/>
             <a:r>
-              <a:rPr lang="zh-TW" altLang="en-US" smtClean="0"/>
+              <a:rPr lang="zh-TW" altLang="en-US"/>
               <a:t>第三層</a:t>
             </a:r>
           </a:p>
           <a:p>
             <a:pPr lvl="3"/>
             <a:r>
-              <a:rPr lang="zh-TW" altLang="en-US" smtClean="0"/>
+              <a:rPr lang="zh-TW" altLang="en-US"/>
               <a:t>第四層</a:t>
             </a:r>
           </a:p>
           <a:p>
             <a:pPr lvl="4"/>
             <a:r>
-              <a:rPr lang="zh-TW" altLang="en-US" smtClean="0"/>
+              <a:rPr lang="zh-TW" altLang="en-US"/>
               <a:t>第五層</a:t>
             </a:r>
-            <a:endParaRPr lang="zh-TW" altLang="en-US"/>
           </a:p>
         </p:txBody>
       </p:sp>
@@ -870,7 +865,7 @@
           <a:p>
             <a:fld id="{B40BCB5F-9DC2-4750-8492-07330E1FA86D}" type="datetimeFigureOut">
               <a:rPr lang="zh-TW" altLang="en-US" smtClean="0"/>
-              <a:t>2018/6/6</a:t>
+              <a:t>2019/9/8</a:t>
             </a:fld>
             <a:endParaRPr lang="zh-TW" altLang="en-US"/>
           </a:p>
@@ -969,10 +964,9 @@
           <a:lstStyle/>
           <a:p>
             <a:r>
-              <a:rPr lang="zh-TW" altLang="en-US" smtClean="0"/>
+              <a:rPr lang="zh-TW" altLang="en-US"/>
               <a:t>按一下以編輯母片標題樣式</a:t>
             </a:r>
-            <a:endParaRPr lang="zh-TW" altLang="en-US"/>
           </a:p>
         </p:txBody>
       </p:sp>
@@ -998,38 +992,37 @@
           <a:p>
             <a:pPr lvl="0"/>
             <a:r>
-              <a:rPr lang="zh-TW" altLang="en-US" smtClean="0"/>
+              <a:rPr lang="zh-TW" altLang="en-US"/>
               <a:t>按一下以編輯母片文字樣式</a:t>
             </a:r>
           </a:p>
           <a:p>
             <a:pPr lvl="1"/>
             <a:r>
-              <a:rPr lang="zh-TW" altLang="en-US" smtClean="0"/>
+              <a:rPr lang="zh-TW" altLang="en-US"/>
               <a:t>第二層</a:t>
             </a:r>
           </a:p>
           <a:p>
             <a:pPr lvl="2"/>
             <a:r>
-              <a:rPr lang="zh-TW" altLang="en-US" smtClean="0"/>
+              <a:rPr lang="zh-TW" altLang="en-US"/>
               <a:t>第三層</a:t>
             </a:r>
           </a:p>
           <a:p>
             <a:pPr lvl="3"/>
             <a:r>
-              <a:rPr lang="zh-TW" altLang="en-US" smtClean="0"/>
+              <a:rPr lang="zh-TW" altLang="en-US"/>
               <a:t>第四層</a:t>
             </a:r>
           </a:p>
           <a:p>
             <a:pPr lvl="4"/>
             <a:r>
-              <a:rPr lang="zh-TW" altLang="en-US" smtClean="0"/>
+              <a:rPr lang="zh-TW" altLang="en-US"/>
               <a:t>第五層</a:t>
             </a:r>
-            <a:endParaRPr lang="zh-TW" altLang="en-US"/>
           </a:p>
         </p:txBody>
       </p:sp>
@@ -1050,7 +1043,7 @@
           <a:p>
             <a:fld id="{B40BCB5F-9DC2-4750-8492-07330E1FA86D}" type="datetimeFigureOut">
               <a:rPr lang="zh-TW" altLang="en-US" smtClean="0"/>
-              <a:t>2018/6/6</a:t>
+              <a:t>2019/9/8</a:t>
             </a:fld>
             <a:endParaRPr lang="zh-TW" altLang="en-US"/>
           </a:p>
@@ -1153,10 +1146,9 @@
           </a:lstStyle>
           <a:p>
             <a:r>
-              <a:rPr lang="zh-TW" altLang="en-US" smtClean="0"/>
+              <a:rPr lang="zh-TW" altLang="en-US"/>
               <a:t>按一下以編輯母片標題樣式</a:t>
             </a:r>
-            <a:endParaRPr lang="zh-TW" altLang="en-US"/>
           </a:p>
         </p:txBody>
       </p:sp>
@@ -1218,10 +1210,9 @@
           </a:lstStyle>
           <a:p>
             <a:r>
-              <a:rPr lang="zh-TW" altLang="en-US" smtClean="0"/>
+              <a:rPr lang="zh-TW" altLang="en-US"/>
               <a:t>按一下以編輯母片副標題樣式</a:t>
             </a:r>
-            <a:endParaRPr lang="zh-TW" altLang="en-US"/>
           </a:p>
         </p:txBody>
       </p:sp>
@@ -1291,7 +1282,7 @@
                 <a:tabLst/>
                 <a:defRPr/>
               </a:pPr>
-              <a:t>2018/6/6</a:t>
+              <a:t>2019/9/8</a:t>
             </a:fld>
             <a:endParaRPr kumimoji="0" lang="zh-TW" altLang="en-US" sz="1200" b="0" i="0" u="none" strike="noStrike" kern="1200" cap="none" spc="0" normalizeH="0" baseline="0" noProof="0">
               <a:ln>
@@ -1496,10 +1487,9 @@
           <a:lstStyle/>
           <a:p>
             <a:r>
-              <a:rPr lang="zh-TW" altLang="en-US" smtClean="0"/>
+              <a:rPr lang="zh-TW" altLang="en-US"/>
               <a:t>按一下以編輯母片標題樣式</a:t>
             </a:r>
-            <a:endParaRPr lang="zh-TW" altLang="en-US"/>
           </a:p>
         </p:txBody>
       </p:sp>
@@ -1520,38 +1510,37 @@
           <a:p>
             <a:pPr lvl="0"/>
             <a:r>
-              <a:rPr lang="zh-TW" altLang="en-US" smtClean="0"/>
+              <a:rPr lang="zh-TW" altLang="en-US"/>
               <a:t>按一下以編輯母片文字樣式</a:t>
             </a:r>
           </a:p>
           <a:p>
             <a:pPr lvl="1"/>
             <a:r>
-              <a:rPr lang="zh-TW" altLang="en-US" smtClean="0"/>
+              <a:rPr lang="zh-TW" altLang="en-US"/>
               <a:t>第二層</a:t>
             </a:r>
           </a:p>
           <a:p>
             <a:pPr lvl="2"/>
             <a:r>
-              <a:rPr lang="zh-TW" altLang="en-US" smtClean="0"/>
+              <a:rPr lang="zh-TW" altLang="en-US"/>
               <a:t>第三層</a:t>
             </a:r>
           </a:p>
           <a:p>
             <a:pPr lvl="3"/>
             <a:r>
-              <a:rPr lang="zh-TW" altLang="en-US" smtClean="0"/>
+              <a:rPr lang="zh-TW" altLang="en-US"/>
               <a:t>第四層</a:t>
             </a:r>
           </a:p>
           <a:p>
             <a:pPr lvl="4"/>
             <a:r>
-              <a:rPr lang="zh-TW" altLang="en-US" smtClean="0"/>
+              <a:rPr lang="zh-TW" altLang="en-US"/>
               <a:t>第五層</a:t>
             </a:r>
-            <a:endParaRPr lang="zh-TW" altLang="en-US"/>
           </a:p>
         </p:txBody>
       </p:sp>
@@ -1621,7 +1610,7 @@
                 <a:tabLst/>
                 <a:defRPr/>
               </a:pPr>
-              <a:t>2018/6/6</a:t>
+              <a:t>2019/9/8</a:t>
             </a:fld>
             <a:endParaRPr kumimoji="0" lang="zh-TW" altLang="en-US" sz="1200" b="0" i="0" u="none" strike="noStrike" kern="1200" cap="none" spc="0" normalizeH="0" baseline="0" noProof="0">
               <a:ln>
@@ -1835,10 +1824,9 @@
           </a:lstStyle>
           <a:p>
             <a:r>
-              <a:rPr lang="zh-TW" altLang="en-US" smtClean="0"/>
+              <a:rPr lang="zh-TW" altLang="en-US"/>
               <a:t>按一下以編輯母片標題樣式</a:t>
             </a:r>
-            <a:endParaRPr lang="zh-TW" altLang="en-US"/>
           </a:p>
         </p:txBody>
       </p:sp>
@@ -1955,7 +1943,7 @@
           <a:p>
             <a:pPr lvl="0"/>
             <a:r>
-              <a:rPr lang="zh-TW" altLang="en-US" smtClean="0"/>
+              <a:rPr lang="zh-TW" altLang="en-US"/>
               <a:t>按一下以編輯母片文字樣式</a:t>
             </a:r>
           </a:p>
@@ -2027,7 +2015,7 @@
                 <a:tabLst/>
                 <a:defRPr/>
               </a:pPr>
-              <a:t>2018/6/6</a:t>
+              <a:t>2019/9/8</a:t>
             </a:fld>
             <a:endParaRPr kumimoji="0" lang="zh-TW" altLang="en-US" sz="1200" b="0" i="0" u="none" strike="noStrike" kern="1200" cap="none" spc="0" normalizeH="0" baseline="0" noProof="0">
               <a:ln>
@@ -2232,10 +2220,9 @@
           <a:lstStyle/>
           <a:p>
             <a:r>
-              <a:rPr lang="zh-TW" altLang="en-US" smtClean="0"/>
+              <a:rPr lang="zh-TW" altLang="en-US"/>
               <a:t>按一下以編輯母片標題樣式</a:t>
             </a:r>
-            <a:endParaRPr lang="zh-TW" altLang="en-US"/>
           </a:p>
         </p:txBody>
       </p:sp>
@@ -2261,38 +2248,37 @@
           <a:p>
             <a:pPr lvl="0"/>
             <a:r>
-              <a:rPr lang="zh-TW" altLang="en-US" smtClean="0"/>
+              <a:rPr lang="zh-TW" altLang="en-US"/>
               <a:t>按一下以編輯母片文字樣式</a:t>
             </a:r>
           </a:p>
           <a:p>
             <a:pPr lvl="1"/>
             <a:r>
-              <a:rPr lang="zh-TW" altLang="en-US" smtClean="0"/>
+              <a:rPr lang="zh-TW" altLang="en-US"/>
               <a:t>第二層</a:t>
             </a:r>
           </a:p>
           <a:p>
             <a:pPr lvl="2"/>
             <a:r>
-              <a:rPr lang="zh-TW" altLang="en-US" smtClean="0"/>
+              <a:rPr lang="zh-TW" altLang="en-US"/>
               <a:t>第三層</a:t>
             </a:r>
           </a:p>
           <a:p>
             <a:pPr lvl="3"/>
             <a:r>
-              <a:rPr lang="zh-TW" altLang="en-US" smtClean="0"/>
+              <a:rPr lang="zh-TW" altLang="en-US"/>
               <a:t>第四層</a:t>
             </a:r>
           </a:p>
           <a:p>
             <a:pPr lvl="4"/>
             <a:r>
-              <a:rPr lang="zh-TW" altLang="en-US" smtClean="0"/>
+              <a:rPr lang="zh-TW" altLang="en-US"/>
               <a:t>第五層</a:t>
             </a:r>
-            <a:endParaRPr lang="zh-TW" altLang="en-US"/>
           </a:p>
         </p:txBody>
       </p:sp>
@@ -2318,38 +2304,37 @@
           <a:p>
             <a:pPr lvl="0"/>
             <a:r>
-              <a:rPr lang="zh-TW" altLang="en-US" smtClean="0"/>
+              <a:rPr lang="zh-TW" altLang="en-US"/>
               <a:t>按一下以編輯母片文字樣式</a:t>
             </a:r>
           </a:p>
           <a:p>
             <a:pPr lvl="1"/>
             <a:r>
-              <a:rPr lang="zh-TW" altLang="en-US" smtClean="0"/>
+              <a:rPr lang="zh-TW" altLang="en-US"/>
               <a:t>第二層</a:t>
             </a:r>
           </a:p>
           <a:p>
             <a:pPr lvl="2"/>
             <a:r>
-              <a:rPr lang="zh-TW" altLang="en-US" smtClean="0"/>
+              <a:rPr lang="zh-TW" altLang="en-US"/>
               <a:t>第三層</a:t>
             </a:r>
           </a:p>
           <a:p>
             <a:pPr lvl="3"/>
             <a:r>
-              <a:rPr lang="zh-TW" altLang="en-US" smtClean="0"/>
+              <a:rPr lang="zh-TW" altLang="en-US"/>
               <a:t>第四層</a:t>
             </a:r>
           </a:p>
           <a:p>
             <a:pPr lvl="4"/>
             <a:r>
-              <a:rPr lang="zh-TW" altLang="en-US" smtClean="0"/>
+              <a:rPr lang="zh-TW" altLang="en-US"/>
               <a:t>第五層</a:t>
             </a:r>
-            <a:endParaRPr lang="zh-TW" altLang="en-US"/>
           </a:p>
         </p:txBody>
       </p:sp>
@@ -2419,7 +2404,7 @@
                 <a:tabLst/>
                 <a:defRPr/>
               </a:pPr>
-              <a:t>2018/6/6</a:t>
+              <a:t>2019/9/8</a:t>
             </a:fld>
             <a:endParaRPr kumimoji="0" lang="zh-TW" altLang="en-US" sz="1200" b="0" i="0" u="none" strike="noStrike" kern="1200" cap="none" spc="0" normalizeH="0" baseline="0" noProof="0">
               <a:ln>
@@ -2629,10 +2614,9 @@
           <a:lstStyle/>
           <a:p>
             <a:r>
-              <a:rPr lang="zh-TW" altLang="en-US" smtClean="0"/>
+              <a:rPr lang="zh-TW" altLang="en-US"/>
               <a:t>按一下以編輯母片標題樣式</a:t>
             </a:r>
-            <a:endParaRPr lang="zh-TW" altLang="en-US"/>
           </a:p>
         </p:txBody>
       </p:sp>
@@ -2695,7 +2679,7 @@
           <a:p>
             <a:pPr lvl="0"/>
             <a:r>
-              <a:rPr lang="zh-TW" altLang="en-US" smtClean="0"/>
+              <a:rPr lang="zh-TW" altLang="en-US"/>
               <a:t>按一下以編輯母片文字樣式</a:t>
             </a:r>
           </a:p>
@@ -2723,38 +2707,37 @@
           <a:p>
             <a:pPr lvl="0"/>
             <a:r>
-              <a:rPr lang="zh-TW" altLang="en-US" smtClean="0"/>
+              <a:rPr lang="zh-TW" altLang="en-US"/>
               <a:t>按一下以編輯母片文字樣式</a:t>
             </a:r>
           </a:p>
           <a:p>
             <a:pPr lvl="1"/>
             <a:r>
-              <a:rPr lang="zh-TW" altLang="en-US" smtClean="0"/>
+              <a:rPr lang="zh-TW" altLang="en-US"/>
               <a:t>第二層</a:t>
             </a:r>
           </a:p>
           <a:p>
             <a:pPr lvl="2"/>
             <a:r>
-              <a:rPr lang="zh-TW" altLang="en-US" smtClean="0"/>
+              <a:rPr lang="zh-TW" altLang="en-US"/>
               <a:t>第三層</a:t>
             </a:r>
           </a:p>
           <a:p>
             <a:pPr lvl="3"/>
             <a:r>
-              <a:rPr lang="zh-TW" altLang="en-US" smtClean="0"/>
+              <a:rPr lang="zh-TW" altLang="en-US"/>
               <a:t>第四層</a:t>
             </a:r>
           </a:p>
           <a:p>
             <a:pPr lvl="4"/>
             <a:r>
-              <a:rPr lang="zh-TW" altLang="en-US" smtClean="0"/>
+              <a:rPr lang="zh-TW" altLang="en-US"/>
               <a:t>第五層</a:t>
             </a:r>
-            <a:endParaRPr lang="zh-TW" altLang="en-US"/>
           </a:p>
         </p:txBody>
       </p:sp>
@@ -2817,7 +2800,7 @@
           <a:p>
             <a:pPr lvl="0"/>
             <a:r>
-              <a:rPr lang="zh-TW" altLang="en-US" smtClean="0"/>
+              <a:rPr lang="zh-TW" altLang="en-US"/>
               <a:t>按一下以編輯母片文字樣式</a:t>
             </a:r>
           </a:p>
@@ -2845,38 +2828,37 @@
           <a:p>
             <a:pPr lvl="0"/>
             <a:r>
-              <a:rPr lang="zh-TW" altLang="en-US" smtClean="0"/>
+              <a:rPr lang="zh-TW" altLang="en-US"/>
               <a:t>按一下以編輯母片文字樣式</a:t>
             </a:r>
           </a:p>
           <a:p>
             <a:pPr lvl="1"/>
             <a:r>
-              <a:rPr lang="zh-TW" altLang="en-US" smtClean="0"/>
+              <a:rPr lang="zh-TW" altLang="en-US"/>
               <a:t>第二層</a:t>
             </a:r>
           </a:p>
           <a:p>
             <a:pPr lvl="2"/>
             <a:r>
-              <a:rPr lang="zh-TW" altLang="en-US" smtClean="0"/>
+              <a:rPr lang="zh-TW" altLang="en-US"/>
               <a:t>第三層</a:t>
             </a:r>
           </a:p>
           <a:p>
             <a:pPr lvl="3"/>
             <a:r>
-              <a:rPr lang="zh-TW" altLang="en-US" smtClean="0"/>
+              <a:rPr lang="zh-TW" altLang="en-US"/>
               <a:t>第四層</a:t>
             </a:r>
           </a:p>
           <a:p>
             <a:pPr lvl="4"/>
             <a:r>
-              <a:rPr lang="zh-TW" altLang="en-US" smtClean="0"/>
+              <a:rPr lang="zh-TW" altLang="en-US"/>
               <a:t>第五層</a:t>
             </a:r>
-            <a:endParaRPr lang="zh-TW" altLang="en-US"/>
           </a:p>
         </p:txBody>
       </p:sp>
@@ -2946,7 +2928,7 @@
                 <a:tabLst/>
                 <a:defRPr/>
               </a:pPr>
-              <a:t>2018/6/6</a:t>
+              <a:t>2019/9/8</a:t>
             </a:fld>
             <a:endParaRPr kumimoji="0" lang="zh-TW" altLang="en-US" sz="1200" b="0" i="0" u="none" strike="noStrike" kern="1200" cap="none" spc="0" normalizeH="0" baseline="0" noProof="0">
               <a:ln>
@@ -3151,10 +3133,9 @@
           <a:lstStyle/>
           <a:p>
             <a:r>
-              <a:rPr lang="zh-TW" altLang="en-US" smtClean="0"/>
+              <a:rPr lang="zh-TW" altLang="en-US"/>
               <a:t>按一下以編輯母片標題樣式</a:t>
             </a:r>
-            <a:endParaRPr lang="zh-TW" altLang="en-US"/>
           </a:p>
         </p:txBody>
       </p:sp>
@@ -3224,7 +3205,7 @@
                 <a:tabLst/>
                 <a:defRPr/>
               </a:pPr>
-              <a:t>2018/6/6</a:t>
+              <a:t>2019/9/8</a:t>
             </a:fld>
             <a:endParaRPr kumimoji="0" lang="zh-TW" altLang="en-US" sz="1200" b="0" i="0" u="none" strike="noStrike" kern="1200" cap="none" spc="0" normalizeH="0" baseline="0" noProof="0">
               <a:ln>
@@ -3479,7 +3460,7 @@
                 <a:tabLst/>
                 <a:defRPr/>
               </a:pPr>
-              <a:t>2018/6/6</a:t>
+              <a:t>2019/9/8</a:t>
             </a:fld>
             <a:endParaRPr kumimoji="0" lang="zh-TW" altLang="en-US" sz="1200" b="0" i="0" u="none" strike="noStrike" kern="1200" cap="none" spc="0" normalizeH="0" baseline="0" noProof="0">
               <a:ln>
@@ -3693,10 +3674,9 @@
           </a:lstStyle>
           <a:p>
             <a:r>
-              <a:rPr lang="zh-TW" altLang="en-US" smtClean="0"/>
+              <a:rPr lang="zh-TW" altLang="en-US"/>
               <a:t>按一下以編輯母片標題樣式</a:t>
             </a:r>
-            <a:endParaRPr lang="zh-TW" altLang="en-US"/>
           </a:p>
         </p:txBody>
       </p:sp>
@@ -3750,38 +3730,37 @@
           <a:p>
             <a:pPr lvl="0"/>
             <a:r>
-              <a:rPr lang="zh-TW" altLang="en-US" smtClean="0"/>
+              <a:rPr lang="zh-TW" altLang="en-US"/>
               <a:t>按一下以編輯母片文字樣式</a:t>
             </a:r>
           </a:p>
           <a:p>
             <a:pPr lvl="1"/>
             <a:r>
-              <a:rPr lang="zh-TW" altLang="en-US" smtClean="0"/>
+              <a:rPr lang="zh-TW" altLang="en-US"/>
               <a:t>第二層</a:t>
             </a:r>
           </a:p>
           <a:p>
             <a:pPr lvl="2"/>
             <a:r>
-              <a:rPr lang="zh-TW" altLang="en-US" smtClean="0"/>
+              <a:rPr lang="zh-TW" altLang="en-US"/>
               <a:t>第三層</a:t>
             </a:r>
           </a:p>
           <a:p>
             <a:pPr lvl="3"/>
             <a:r>
-              <a:rPr lang="zh-TW" altLang="en-US" smtClean="0"/>
+              <a:rPr lang="zh-TW" altLang="en-US"/>
               <a:t>第四層</a:t>
             </a:r>
           </a:p>
           <a:p>
             <a:pPr lvl="4"/>
             <a:r>
-              <a:rPr lang="zh-TW" altLang="en-US" smtClean="0"/>
+              <a:rPr lang="zh-TW" altLang="en-US"/>
               <a:t>第五層</a:t>
             </a:r>
-            <a:endParaRPr lang="zh-TW" altLang="en-US"/>
           </a:p>
         </p:txBody>
       </p:sp>
@@ -3844,7 +3823,7 @@
           <a:p>
             <a:pPr lvl="0"/>
             <a:r>
-              <a:rPr lang="zh-TW" altLang="en-US" smtClean="0"/>
+              <a:rPr lang="zh-TW" altLang="en-US"/>
               <a:t>按一下以編輯母片文字樣式</a:t>
             </a:r>
           </a:p>
@@ -3916,7 +3895,7 @@
                 <a:tabLst/>
                 <a:defRPr/>
               </a:pPr>
-              <a:t>2018/6/6</a:t>
+              <a:t>2019/9/8</a:t>
             </a:fld>
             <a:endParaRPr kumimoji="0" lang="zh-TW" altLang="en-US" sz="1200" b="0" i="0" u="none" strike="noStrike" kern="1200" cap="none" spc="0" normalizeH="0" baseline="0" noProof="0">
               <a:ln>
@@ -4121,10 +4100,9 @@
           <a:lstStyle/>
           <a:p>
             <a:r>
-              <a:rPr lang="zh-TW" altLang="en-US" smtClean="0"/>
+              <a:rPr lang="zh-TW" altLang="en-US"/>
               <a:t>按一下以編輯母片標題樣式</a:t>
             </a:r>
-            <a:endParaRPr lang="zh-TW" altLang="en-US"/>
           </a:p>
         </p:txBody>
       </p:sp>
@@ -4145,38 +4123,37 @@
           <a:p>
             <a:pPr lvl="0"/>
             <a:r>
-              <a:rPr lang="zh-TW" altLang="en-US" smtClean="0"/>
+              <a:rPr lang="zh-TW" altLang="en-US"/>
               <a:t>按一下以編輯母片文字樣式</a:t>
             </a:r>
           </a:p>
           <a:p>
             <a:pPr lvl="1"/>
             <a:r>
-              <a:rPr lang="zh-TW" altLang="en-US" smtClean="0"/>
+              <a:rPr lang="zh-TW" altLang="en-US"/>
               <a:t>第二層</a:t>
             </a:r>
           </a:p>
           <a:p>
             <a:pPr lvl="2"/>
             <a:r>
-              <a:rPr lang="zh-TW" altLang="en-US" smtClean="0"/>
+              <a:rPr lang="zh-TW" altLang="en-US"/>
               <a:t>第三層</a:t>
             </a:r>
           </a:p>
           <a:p>
             <a:pPr lvl="3"/>
             <a:r>
-              <a:rPr lang="zh-TW" altLang="en-US" smtClean="0"/>
+              <a:rPr lang="zh-TW" altLang="en-US"/>
               <a:t>第四層</a:t>
             </a:r>
           </a:p>
           <a:p>
             <a:pPr lvl="4"/>
             <a:r>
-              <a:rPr lang="zh-TW" altLang="en-US" smtClean="0"/>
+              <a:rPr lang="zh-TW" altLang="en-US"/>
               <a:t>第五層</a:t>
             </a:r>
-            <a:endParaRPr lang="zh-TW" altLang="en-US"/>
           </a:p>
         </p:txBody>
       </p:sp>
@@ -4197,7 +4174,7 @@
           <a:p>
             <a:fld id="{B40BCB5F-9DC2-4750-8492-07330E1FA86D}" type="datetimeFigureOut">
               <a:rPr lang="zh-TW" altLang="en-US" smtClean="0"/>
-              <a:t>2018/6/6</a:t>
+              <a:t>2019/9/8</a:t>
             </a:fld>
             <a:endParaRPr lang="zh-TW" altLang="en-US"/>
           </a:p>
@@ -4300,10 +4277,9 @@
           </a:lstStyle>
           <a:p>
             <a:r>
-              <a:rPr lang="zh-TW" altLang="en-US" smtClean="0"/>
+              <a:rPr lang="zh-TW" altLang="en-US"/>
               <a:t>按一下以編輯母片標題樣式</a:t>
             </a:r>
-            <a:endParaRPr lang="zh-TW" altLang="en-US"/>
           </a:p>
         </p:txBody>
       </p:sp>
@@ -4427,7 +4403,7 @@
           <a:p>
             <a:pPr lvl="0"/>
             <a:r>
-              <a:rPr lang="zh-TW" altLang="en-US" smtClean="0"/>
+              <a:rPr lang="zh-TW" altLang="en-US"/>
               <a:t>按一下以編輯母片文字樣式</a:t>
             </a:r>
           </a:p>
@@ -4499,7 +4475,7 @@
                 <a:tabLst/>
                 <a:defRPr/>
               </a:pPr>
-              <a:t>2018/6/6</a:t>
+              <a:t>2019/9/8</a:t>
             </a:fld>
             <a:endParaRPr kumimoji="0" lang="zh-TW" altLang="en-US" sz="1200" b="0" i="0" u="none" strike="noStrike" kern="1200" cap="none" spc="0" normalizeH="0" baseline="0" noProof="0">
               <a:ln>
@@ -4704,10 +4680,9 @@
           <a:lstStyle/>
           <a:p>
             <a:r>
-              <a:rPr lang="zh-TW" altLang="en-US" smtClean="0"/>
+              <a:rPr lang="zh-TW" altLang="en-US"/>
               <a:t>按一下以編輯母片標題樣式</a:t>
             </a:r>
-            <a:endParaRPr lang="zh-TW" altLang="en-US"/>
           </a:p>
         </p:txBody>
       </p:sp>
@@ -4728,38 +4703,37 @@
           <a:p>
             <a:pPr lvl="0"/>
             <a:r>
-              <a:rPr lang="zh-TW" altLang="en-US" smtClean="0"/>
+              <a:rPr lang="zh-TW" altLang="en-US"/>
               <a:t>按一下以編輯母片文字樣式</a:t>
             </a:r>
           </a:p>
           <a:p>
             <a:pPr lvl="1"/>
             <a:r>
-              <a:rPr lang="zh-TW" altLang="en-US" smtClean="0"/>
+              <a:rPr lang="zh-TW" altLang="en-US"/>
               <a:t>第二層</a:t>
             </a:r>
           </a:p>
           <a:p>
             <a:pPr lvl="2"/>
             <a:r>
-              <a:rPr lang="zh-TW" altLang="en-US" smtClean="0"/>
+              <a:rPr lang="zh-TW" altLang="en-US"/>
               <a:t>第三層</a:t>
             </a:r>
           </a:p>
           <a:p>
             <a:pPr lvl="3"/>
             <a:r>
-              <a:rPr lang="zh-TW" altLang="en-US" smtClean="0"/>
+              <a:rPr lang="zh-TW" altLang="en-US"/>
               <a:t>第四層</a:t>
             </a:r>
           </a:p>
           <a:p>
             <a:pPr lvl="4"/>
             <a:r>
-              <a:rPr lang="zh-TW" altLang="en-US" smtClean="0"/>
+              <a:rPr lang="zh-TW" altLang="en-US"/>
               <a:t>第五層</a:t>
             </a:r>
-            <a:endParaRPr lang="zh-TW" altLang="en-US"/>
           </a:p>
         </p:txBody>
       </p:sp>
@@ -4829,7 +4803,7 @@
                 <a:tabLst/>
                 <a:defRPr/>
               </a:pPr>
-              <a:t>2018/6/6</a:t>
+              <a:t>2019/9/8</a:t>
             </a:fld>
             <a:endParaRPr kumimoji="0" lang="zh-TW" altLang="en-US" sz="1200" b="0" i="0" u="none" strike="noStrike" kern="1200" cap="none" spc="0" normalizeH="0" baseline="0" noProof="0">
               <a:ln>
@@ -5039,10 +5013,9 @@
           <a:lstStyle/>
           <a:p>
             <a:r>
-              <a:rPr lang="zh-TW" altLang="en-US" smtClean="0"/>
+              <a:rPr lang="zh-TW" altLang="en-US"/>
               <a:t>按一下以編輯母片標題樣式</a:t>
             </a:r>
-            <a:endParaRPr lang="zh-TW" altLang="en-US"/>
           </a:p>
         </p:txBody>
       </p:sp>
@@ -5068,38 +5041,37 @@
           <a:p>
             <a:pPr lvl="0"/>
             <a:r>
-              <a:rPr lang="zh-TW" altLang="en-US" smtClean="0"/>
+              <a:rPr lang="zh-TW" altLang="en-US"/>
               <a:t>按一下以編輯母片文字樣式</a:t>
             </a:r>
           </a:p>
           <a:p>
             <a:pPr lvl="1"/>
             <a:r>
-              <a:rPr lang="zh-TW" altLang="en-US" smtClean="0"/>
+              <a:rPr lang="zh-TW" altLang="en-US"/>
               <a:t>第二層</a:t>
             </a:r>
           </a:p>
           <a:p>
             <a:pPr lvl="2"/>
             <a:r>
-              <a:rPr lang="zh-TW" altLang="en-US" smtClean="0"/>
+              <a:rPr lang="zh-TW" altLang="en-US"/>
               <a:t>第三層</a:t>
             </a:r>
           </a:p>
           <a:p>
             <a:pPr lvl="3"/>
             <a:r>
-              <a:rPr lang="zh-TW" altLang="en-US" smtClean="0"/>
+              <a:rPr lang="zh-TW" altLang="en-US"/>
               <a:t>第四層</a:t>
             </a:r>
           </a:p>
           <a:p>
             <a:pPr lvl="4"/>
             <a:r>
-              <a:rPr lang="zh-TW" altLang="en-US" smtClean="0"/>
+              <a:rPr lang="zh-TW" altLang="en-US"/>
               <a:t>第五層</a:t>
             </a:r>
-            <a:endParaRPr lang="zh-TW" altLang="en-US"/>
           </a:p>
         </p:txBody>
       </p:sp>
@@ -5169,7 +5141,7 @@
                 <a:tabLst/>
                 <a:defRPr/>
               </a:pPr>
-              <a:t>2018/6/6</a:t>
+              <a:t>2019/9/8</a:t>
             </a:fld>
             <a:endParaRPr kumimoji="0" lang="zh-TW" altLang="en-US" sz="1200" b="0" i="0" u="none" strike="noStrike" kern="1200" cap="none" spc="0" normalizeH="0" baseline="0" noProof="0">
               <a:ln>
@@ -5383,10 +5355,9 @@
           </a:lstStyle>
           <a:p>
             <a:r>
-              <a:rPr lang="zh-TW" altLang="en-US" smtClean="0"/>
+              <a:rPr lang="zh-TW" altLang="en-US"/>
               <a:t>按一下以編輯母片標題樣式</a:t>
             </a:r>
-            <a:endParaRPr lang="zh-TW" altLang="en-US"/>
           </a:p>
         </p:txBody>
       </p:sp>
@@ -5503,7 +5474,7 @@
           <a:p>
             <a:pPr lvl="0"/>
             <a:r>
-              <a:rPr lang="zh-TW" altLang="en-US" smtClean="0"/>
+              <a:rPr lang="zh-TW" altLang="en-US"/>
               <a:t>按一下以編輯母片文字樣式</a:t>
             </a:r>
           </a:p>
@@ -5526,7 +5497,7 @@
           <a:p>
             <a:fld id="{B40BCB5F-9DC2-4750-8492-07330E1FA86D}" type="datetimeFigureOut">
               <a:rPr lang="zh-TW" altLang="en-US" smtClean="0"/>
-              <a:t>2018/6/6</a:t>
+              <a:t>2019/9/8</a:t>
             </a:fld>
             <a:endParaRPr lang="zh-TW" altLang="en-US"/>
           </a:p>
@@ -5620,10 +5591,9 @@
           <a:lstStyle/>
           <a:p>
             <a:r>
-              <a:rPr lang="zh-TW" altLang="en-US" smtClean="0"/>
+              <a:rPr lang="zh-TW" altLang="en-US"/>
               <a:t>按一下以編輯母片標題樣式</a:t>
             </a:r>
-            <a:endParaRPr lang="zh-TW" altLang="en-US"/>
           </a:p>
         </p:txBody>
       </p:sp>
@@ -5649,38 +5619,37 @@
           <a:p>
             <a:pPr lvl="0"/>
             <a:r>
-              <a:rPr lang="zh-TW" altLang="en-US" smtClean="0"/>
+              <a:rPr lang="zh-TW" altLang="en-US"/>
               <a:t>按一下以編輯母片文字樣式</a:t>
             </a:r>
           </a:p>
           <a:p>
             <a:pPr lvl="1"/>
             <a:r>
-              <a:rPr lang="zh-TW" altLang="en-US" smtClean="0"/>
+              <a:rPr lang="zh-TW" altLang="en-US"/>
               <a:t>第二層</a:t>
             </a:r>
           </a:p>
           <a:p>
             <a:pPr lvl="2"/>
             <a:r>
-              <a:rPr lang="zh-TW" altLang="en-US" smtClean="0"/>
+              <a:rPr lang="zh-TW" altLang="en-US"/>
               <a:t>第三層</a:t>
             </a:r>
           </a:p>
           <a:p>
             <a:pPr lvl="3"/>
             <a:r>
-              <a:rPr lang="zh-TW" altLang="en-US" smtClean="0"/>
+              <a:rPr lang="zh-TW" altLang="en-US"/>
               <a:t>第四層</a:t>
             </a:r>
           </a:p>
           <a:p>
             <a:pPr lvl="4"/>
             <a:r>
-              <a:rPr lang="zh-TW" altLang="en-US" smtClean="0"/>
+              <a:rPr lang="zh-TW" altLang="en-US"/>
               <a:t>第五層</a:t>
             </a:r>
-            <a:endParaRPr lang="zh-TW" altLang="en-US"/>
           </a:p>
         </p:txBody>
       </p:sp>
@@ -5706,38 +5675,37 @@
           <a:p>
             <a:pPr lvl="0"/>
             <a:r>
-              <a:rPr lang="zh-TW" altLang="en-US" smtClean="0"/>
+              <a:rPr lang="zh-TW" altLang="en-US"/>
               <a:t>按一下以編輯母片文字樣式</a:t>
             </a:r>
           </a:p>
           <a:p>
             <a:pPr lvl="1"/>
             <a:r>
-              <a:rPr lang="zh-TW" altLang="en-US" smtClean="0"/>
+              <a:rPr lang="zh-TW" altLang="en-US"/>
               <a:t>第二層</a:t>
             </a:r>
           </a:p>
           <a:p>
             <a:pPr lvl="2"/>
             <a:r>
-              <a:rPr lang="zh-TW" altLang="en-US" smtClean="0"/>
+              <a:rPr lang="zh-TW" altLang="en-US"/>
               <a:t>第三層</a:t>
             </a:r>
           </a:p>
           <a:p>
             <a:pPr lvl="3"/>
             <a:r>
-              <a:rPr lang="zh-TW" altLang="en-US" smtClean="0"/>
+              <a:rPr lang="zh-TW" altLang="en-US"/>
               <a:t>第四層</a:t>
             </a:r>
           </a:p>
           <a:p>
             <a:pPr lvl="4"/>
             <a:r>
-              <a:rPr lang="zh-TW" altLang="en-US" smtClean="0"/>
+              <a:rPr lang="zh-TW" altLang="en-US"/>
               <a:t>第五層</a:t>
             </a:r>
-            <a:endParaRPr lang="zh-TW" altLang="en-US"/>
           </a:p>
         </p:txBody>
       </p:sp>
@@ -5758,7 +5726,7 @@
           <a:p>
             <a:fld id="{B40BCB5F-9DC2-4750-8492-07330E1FA86D}" type="datetimeFigureOut">
               <a:rPr lang="zh-TW" altLang="en-US" smtClean="0"/>
-              <a:t>2018/6/6</a:t>
+              <a:t>2019/9/8</a:t>
             </a:fld>
             <a:endParaRPr lang="zh-TW" altLang="en-US"/>
           </a:p>
@@ -5857,10 +5825,9 @@
           <a:lstStyle/>
           <a:p>
             <a:r>
-              <a:rPr lang="zh-TW" altLang="en-US" smtClean="0"/>
+              <a:rPr lang="zh-TW" altLang="en-US"/>
               <a:t>按一下以編輯母片標題樣式</a:t>
             </a:r>
-            <a:endParaRPr lang="zh-TW" altLang="en-US"/>
           </a:p>
         </p:txBody>
       </p:sp>
@@ -5923,7 +5890,7 @@
           <a:p>
             <a:pPr lvl="0"/>
             <a:r>
-              <a:rPr lang="zh-TW" altLang="en-US" smtClean="0"/>
+              <a:rPr lang="zh-TW" altLang="en-US"/>
               <a:t>按一下以編輯母片文字樣式</a:t>
             </a:r>
           </a:p>
@@ -5951,38 +5918,37 @@
           <a:p>
             <a:pPr lvl="0"/>
             <a:r>
-              <a:rPr lang="zh-TW" altLang="en-US" smtClean="0"/>
+              <a:rPr lang="zh-TW" altLang="en-US"/>
               <a:t>按一下以編輯母片文字樣式</a:t>
             </a:r>
           </a:p>
           <a:p>
             <a:pPr lvl="1"/>
             <a:r>
-              <a:rPr lang="zh-TW" altLang="en-US" smtClean="0"/>
+              <a:rPr lang="zh-TW" altLang="en-US"/>
               <a:t>第二層</a:t>
             </a:r>
           </a:p>
           <a:p>
             <a:pPr lvl="2"/>
             <a:r>
-              <a:rPr lang="zh-TW" altLang="en-US" smtClean="0"/>
+              <a:rPr lang="zh-TW" altLang="en-US"/>
               <a:t>第三層</a:t>
             </a:r>
           </a:p>
           <a:p>
             <a:pPr lvl="3"/>
             <a:r>
-              <a:rPr lang="zh-TW" altLang="en-US" smtClean="0"/>
+              <a:rPr lang="zh-TW" altLang="en-US"/>
               <a:t>第四層</a:t>
             </a:r>
           </a:p>
           <a:p>
             <a:pPr lvl="4"/>
             <a:r>
-              <a:rPr lang="zh-TW" altLang="en-US" smtClean="0"/>
+              <a:rPr lang="zh-TW" altLang="en-US"/>
               <a:t>第五層</a:t>
             </a:r>
-            <a:endParaRPr lang="zh-TW" altLang="en-US"/>
           </a:p>
         </p:txBody>
       </p:sp>
@@ -6045,7 +6011,7 @@
           <a:p>
             <a:pPr lvl="0"/>
             <a:r>
-              <a:rPr lang="zh-TW" altLang="en-US" smtClean="0"/>
+              <a:rPr lang="zh-TW" altLang="en-US"/>
               <a:t>按一下以編輯母片文字樣式</a:t>
             </a:r>
           </a:p>
@@ -6073,38 +6039,37 @@
           <a:p>
             <a:pPr lvl="0"/>
             <a:r>
-              <a:rPr lang="zh-TW" altLang="en-US" smtClean="0"/>
+              <a:rPr lang="zh-TW" altLang="en-US"/>
               <a:t>按一下以編輯母片文字樣式</a:t>
             </a:r>
           </a:p>
           <a:p>
             <a:pPr lvl="1"/>
             <a:r>
-              <a:rPr lang="zh-TW" altLang="en-US" smtClean="0"/>
+              <a:rPr lang="zh-TW" altLang="en-US"/>
               <a:t>第二層</a:t>
             </a:r>
           </a:p>
           <a:p>
             <a:pPr lvl="2"/>
             <a:r>
-              <a:rPr lang="zh-TW" altLang="en-US" smtClean="0"/>
+              <a:rPr lang="zh-TW" altLang="en-US"/>
               <a:t>第三層</a:t>
             </a:r>
           </a:p>
           <a:p>
             <a:pPr lvl="3"/>
             <a:r>
-              <a:rPr lang="zh-TW" altLang="en-US" smtClean="0"/>
+              <a:rPr lang="zh-TW" altLang="en-US"/>
               <a:t>第四層</a:t>
             </a:r>
           </a:p>
           <a:p>
             <a:pPr lvl="4"/>
             <a:r>
-              <a:rPr lang="zh-TW" altLang="en-US" smtClean="0"/>
+              <a:rPr lang="zh-TW" altLang="en-US"/>
               <a:t>第五層</a:t>
             </a:r>
-            <a:endParaRPr lang="zh-TW" altLang="en-US"/>
           </a:p>
         </p:txBody>
       </p:sp>
@@ -6125,7 +6090,7 @@
           <a:p>
             <a:fld id="{B40BCB5F-9DC2-4750-8492-07330E1FA86D}" type="datetimeFigureOut">
               <a:rPr lang="zh-TW" altLang="en-US" smtClean="0"/>
-              <a:t>2018/6/6</a:t>
+              <a:t>2019/9/8</a:t>
             </a:fld>
             <a:endParaRPr lang="zh-TW" altLang="en-US"/>
           </a:p>
@@ -6219,10 +6184,9 @@
           <a:lstStyle/>
           <a:p>
             <a:r>
-              <a:rPr lang="zh-TW" altLang="en-US" smtClean="0"/>
+              <a:rPr lang="zh-TW" altLang="en-US"/>
               <a:t>按一下以編輯母片標題樣式</a:t>
             </a:r>
-            <a:endParaRPr lang="zh-TW" altLang="en-US"/>
           </a:p>
         </p:txBody>
       </p:sp>
@@ -6243,7 +6207,7 @@
           <a:p>
             <a:fld id="{B40BCB5F-9DC2-4750-8492-07330E1FA86D}" type="datetimeFigureOut">
               <a:rPr lang="zh-TW" altLang="en-US" smtClean="0"/>
-              <a:t>2018/6/6</a:t>
+              <a:t>2019/9/8</a:t>
             </a:fld>
             <a:endParaRPr lang="zh-TW" altLang="en-US"/>
           </a:p>
@@ -6338,7 +6302,7 @@
           <a:p>
             <a:fld id="{B40BCB5F-9DC2-4750-8492-07330E1FA86D}" type="datetimeFigureOut">
               <a:rPr lang="zh-TW" altLang="en-US" smtClean="0"/>
-              <a:t>2018/6/6</a:t>
+              <a:t>2019/9/8</a:t>
             </a:fld>
             <a:endParaRPr lang="zh-TW" altLang="en-US"/>
           </a:p>
@@ -6441,10 +6405,9 @@
           </a:lstStyle>
           <a:p>
             <a:r>
-              <a:rPr lang="zh-TW" altLang="en-US" smtClean="0"/>
+              <a:rPr lang="zh-TW" altLang="en-US"/>
               <a:t>按一下以編輯母片標題樣式</a:t>
             </a:r>
-            <a:endParaRPr lang="zh-TW" altLang="en-US"/>
           </a:p>
         </p:txBody>
       </p:sp>
@@ -6498,38 +6461,37 @@
           <a:p>
             <a:pPr lvl="0"/>
             <a:r>
-              <a:rPr lang="zh-TW" altLang="en-US" smtClean="0"/>
+              <a:rPr lang="zh-TW" altLang="en-US"/>
               <a:t>按一下以編輯母片文字樣式</a:t>
             </a:r>
           </a:p>
           <a:p>
             <a:pPr lvl="1"/>
             <a:r>
-              <a:rPr lang="zh-TW" altLang="en-US" smtClean="0"/>
+              <a:rPr lang="zh-TW" altLang="en-US"/>
               <a:t>第二層</a:t>
             </a:r>
           </a:p>
           <a:p>
             <a:pPr lvl="2"/>
             <a:r>
-              <a:rPr lang="zh-TW" altLang="en-US" smtClean="0"/>
+              <a:rPr lang="zh-TW" altLang="en-US"/>
               <a:t>第三層</a:t>
             </a:r>
           </a:p>
           <a:p>
             <a:pPr lvl="3"/>
             <a:r>
-              <a:rPr lang="zh-TW" altLang="en-US" smtClean="0"/>
+              <a:rPr lang="zh-TW" altLang="en-US"/>
               <a:t>第四層</a:t>
             </a:r>
           </a:p>
           <a:p>
             <a:pPr lvl="4"/>
             <a:r>
-              <a:rPr lang="zh-TW" altLang="en-US" smtClean="0"/>
+              <a:rPr lang="zh-TW" altLang="en-US"/>
               <a:t>第五層</a:t>
             </a:r>
-            <a:endParaRPr lang="zh-TW" altLang="en-US"/>
           </a:p>
         </p:txBody>
       </p:sp>
@@ -6592,7 +6554,7 @@
           <a:p>
             <a:pPr lvl="0"/>
             <a:r>
-              <a:rPr lang="zh-TW" altLang="en-US" smtClean="0"/>
+              <a:rPr lang="zh-TW" altLang="en-US"/>
               <a:t>按一下以編輯母片文字樣式</a:t>
             </a:r>
           </a:p>
@@ -6615,7 +6577,7 @@
           <a:p>
             <a:fld id="{B40BCB5F-9DC2-4750-8492-07330E1FA86D}" type="datetimeFigureOut">
               <a:rPr lang="zh-TW" altLang="en-US" smtClean="0"/>
-              <a:t>2018/6/6</a:t>
+              <a:t>2019/9/8</a:t>
             </a:fld>
             <a:endParaRPr lang="zh-TW" altLang="en-US"/>
           </a:p>
@@ -6718,10 +6680,9 @@
           </a:lstStyle>
           <a:p>
             <a:r>
-              <a:rPr lang="zh-TW" altLang="en-US" smtClean="0"/>
+              <a:rPr lang="zh-TW" altLang="en-US"/>
               <a:t>按一下以編輯母片標題樣式</a:t>
             </a:r>
-            <a:endParaRPr lang="zh-TW" altLang="en-US"/>
           </a:p>
         </p:txBody>
       </p:sp>
@@ -6845,7 +6806,7 @@
           <a:p>
             <a:pPr lvl="0"/>
             <a:r>
-              <a:rPr lang="zh-TW" altLang="en-US" smtClean="0"/>
+              <a:rPr lang="zh-TW" altLang="en-US"/>
               <a:t>按一下以編輯母片文字樣式</a:t>
             </a:r>
           </a:p>
@@ -6868,7 +6829,7 @@
           <a:p>
             <a:fld id="{B40BCB5F-9DC2-4750-8492-07330E1FA86D}" type="datetimeFigureOut">
               <a:rPr lang="zh-TW" altLang="en-US" smtClean="0"/>
-              <a:t>2018/6/6</a:t>
+              <a:t>2019/9/8</a:t>
             </a:fld>
             <a:endParaRPr lang="zh-TW" altLang="en-US"/>
           </a:p>
@@ -6977,10 +6938,9 @@
           <a:lstStyle/>
           <a:p>
             <a:r>
-              <a:rPr lang="zh-TW" altLang="en-US" smtClean="0"/>
+              <a:rPr lang="zh-TW" altLang="en-US"/>
               <a:t>按一下以編輯母片標題樣式</a:t>
             </a:r>
-            <a:endParaRPr lang="zh-TW" altLang="en-US"/>
           </a:p>
         </p:txBody>
       </p:sp>
@@ -7011,38 +6971,37 @@
           <a:p>
             <a:pPr lvl="0"/>
             <a:r>
-              <a:rPr lang="zh-TW" altLang="en-US" smtClean="0"/>
+              <a:rPr lang="zh-TW" altLang="en-US"/>
               <a:t>按一下以編輯母片文字樣式</a:t>
             </a:r>
           </a:p>
           <a:p>
             <a:pPr lvl="1"/>
             <a:r>
-              <a:rPr lang="zh-TW" altLang="en-US" smtClean="0"/>
+              <a:rPr lang="zh-TW" altLang="en-US"/>
               <a:t>第二層</a:t>
             </a:r>
           </a:p>
           <a:p>
             <a:pPr lvl="2"/>
             <a:r>
-              <a:rPr lang="zh-TW" altLang="en-US" smtClean="0"/>
+              <a:rPr lang="zh-TW" altLang="en-US"/>
               <a:t>第三層</a:t>
             </a:r>
           </a:p>
           <a:p>
             <a:pPr lvl="3"/>
             <a:r>
-              <a:rPr lang="zh-TW" altLang="en-US" smtClean="0"/>
+              <a:rPr lang="zh-TW" altLang="en-US"/>
               <a:t>第四層</a:t>
             </a:r>
           </a:p>
           <a:p>
             <a:pPr lvl="4"/>
             <a:r>
-              <a:rPr lang="zh-TW" altLang="en-US" smtClean="0"/>
+              <a:rPr lang="zh-TW" altLang="en-US"/>
               <a:t>第五層</a:t>
             </a:r>
-            <a:endParaRPr lang="zh-TW" altLang="en-US"/>
           </a:p>
         </p:txBody>
       </p:sp>
@@ -7081,7 +7040,7 @@
           <a:p>
             <a:fld id="{B40BCB5F-9DC2-4750-8492-07330E1FA86D}" type="datetimeFigureOut">
               <a:rPr lang="zh-TW" altLang="en-US" smtClean="0"/>
-              <a:t>2018/6/6</a:t>
+              <a:t>2019/9/8</a:t>
             </a:fld>
             <a:endParaRPr lang="zh-TW" altLang="en-US"/>
           </a:p>
@@ -7517,10 +7476,9 @@
           <a:lstStyle/>
           <a:p>
             <a:r>
-              <a:rPr lang="zh-TW" altLang="en-US" smtClean="0"/>
+              <a:rPr lang="zh-TW" altLang="en-US"/>
               <a:t>按一下以編輯母片標題樣式</a:t>
             </a:r>
-            <a:endParaRPr lang="zh-TW" altLang="en-US"/>
           </a:p>
         </p:txBody>
       </p:sp>
@@ -7551,38 +7509,37 @@
           <a:p>
             <a:pPr lvl="0"/>
             <a:r>
-              <a:rPr lang="zh-TW" altLang="en-US" smtClean="0"/>
+              <a:rPr lang="zh-TW" altLang="en-US"/>
               <a:t>按一下以編輯母片文字樣式</a:t>
             </a:r>
           </a:p>
           <a:p>
             <a:pPr lvl="1"/>
             <a:r>
-              <a:rPr lang="zh-TW" altLang="en-US" smtClean="0"/>
+              <a:rPr lang="zh-TW" altLang="en-US"/>
               <a:t>第二層</a:t>
             </a:r>
           </a:p>
           <a:p>
             <a:pPr lvl="2"/>
             <a:r>
-              <a:rPr lang="zh-TW" altLang="en-US" smtClean="0"/>
+              <a:rPr lang="zh-TW" altLang="en-US"/>
               <a:t>第三層</a:t>
             </a:r>
           </a:p>
           <a:p>
             <a:pPr lvl="3"/>
             <a:r>
-              <a:rPr lang="zh-TW" altLang="en-US" smtClean="0"/>
+              <a:rPr lang="zh-TW" altLang="en-US"/>
               <a:t>第四層</a:t>
             </a:r>
           </a:p>
           <a:p>
             <a:pPr lvl="4"/>
             <a:r>
-              <a:rPr lang="zh-TW" altLang="en-US" smtClean="0"/>
+              <a:rPr lang="zh-TW" altLang="en-US"/>
               <a:t>第五層</a:t>
             </a:r>
-            <a:endParaRPr lang="zh-TW" altLang="en-US"/>
           </a:p>
         </p:txBody>
       </p:sp>
@@ -7670,7 +7627,7 @@
                 <a:tabLst/>
                 <a:defRPr/>
               </a:pPr>
-              <a:t>2018/6/6</a:t>
+              <a:t>2019/9/8</a:t>
             </a:fld>
             <a:endParaRPr kumimoji="0" lang="zh-TW" altLang="en-US" sz="1200" b="0" i="0" u="none" strike="noStrike" kern="1200" cap="none" spc="0" normalizeH="0" baseline="0" noProof="0">
               <a:ln>
@@ -8207,16 +8164,6 @@
           <a:lstStyle/>
           <a:p>
             <a:r>
-              <a:rPr lang="en-US" altLang="zh-TW" b="1" dirty="0" smtClean="0">
-                <a:solidFill>
-                  <a:srgbClr val="FF9900"/>
-                </a:solidFill>
-                <a:latin typeface="微軟正黑體" panose="020B0604030504040204" pitchFamily="34" charset="-120"/>
-                <a:ea typeface="微軟正黑體" panose="020B0604030504040204" pitchFamily="34" charset="-120"/>
-              </a:rPr>
-              <a:t>AI</a:t>
-            </a:r>
-            <a:r>
               <a:rPr lang="en-US" altLang="zh-TW" b="1" dirty="0">
                 <a:solidFill>
                   <a:srgbClr val="FF9900"/>
@@ -8224,17 +8171,7 @@
                 <a:latin typeface="微軟正黑體" panose="020B0604030504040204" pitchFamily="34" charset="-120"/>
                 <a:ea typeface="微軟正黑體" panose="020B0604030504040204" pitchFamily="34" charset="-120"/>
               </a:rPr>
-              <a:t>+ Solution Match </a:t>
-            </a:r>
-            <a:r>
-              <a:rPr lang="en-US" altLang="zh-TW" b="1" dirty="0" smtClean="0">
-                <a:solidFill>
-                  <a:srgbClr val="FF9900"/>
-                </a:solidFill>
-                <a:latin typeface="微軟正黑體" panose="020B0604030504040204" pitchFamily="34" charset="-120"/>
-                <a:ea typeface="微軟正黑體" panose="020B0604030504040204" pitchFamily="34" charset="-120"/>
-              </a:rPr>
-              <a:t>Pitch</a:t>
+              <a:t>AI+ Solution Match Pitch</a:t>
             </a:r>
             <a:endParaRPr lang="zh-TW" altLang="en-US" b="1" dirty="0">
               <a:solidFill>
@@ -8269,7 +8206,7 @@
           <a:lstStyle/>
           <a:p>
             <a:r>
-              <a:rPr lang="zh-TW" altLang="en-US" b="1" dirty="0" smtClean="0">
+              <a:rPr lang="zh-TW" altLang="en-US" b="1" dirty="0">
                 <a:latin typeface="微軟正黑體" panose="020B0604030504040204" pitchFamily="34" charset="-120"/>
                 <a:ea typeface="微軟正黑體" panose="020B0604030504040204" pitchFamily="34" charset="-120"/>
               </a:rPr>
@@ -8470,14 +8407,14 @@
           <a:p>
             <a:pPr algn="l"/>
             <a:r>
-              <a:rPr lang="zh-TW" altLang="en-US" b="1" dirty="0" smtClean="0">
+              <a:rPr lang="zh-TW" altLang="en-US" b="1" dirty="0">
                 <a:latin typeface="微軟正黑體" panose="020B0604030504040204" pitchFamily="34" charset="-120"/>
                 <a:ea typeface="微軟正黑體" panose="020B0604030504040204" pitchFamily="34" charset="-120"/>
               </a:rPr>
               <a:t>選題一 </a:t>
             </a:r>
             <a:r>
-              <a:rPr lang="zh-TW" altLang="zh-TW" b="1" dirty="0" smtClean="0">
+              <a:rPr lang="zh-TW" altLang="zh-TW" b="1" dirty="0">
                 <a:solidFill>
                   <a:schemeClr val="accent2"/>
                 </a:solidFill>
@@ -8485,58 +8422,6 @@
                 <a:ea typeface="微軟正黑體" panose="020B0604030504040204" pitchFamily="34" charset="-120"/>
               </a:rPr>
               <a:t>碩網資訊</a:t>
-            </a:r>
-            <a:r>
-              <a:rPr lang="zh-TW" altLang="en-US" b="1" dirty="0" smtClean="0">
-                <a:solidFill>
-                  <a:schemeClr val="accent2"/>
-                </a:solidFill>
-                <a:latin typeface="微軟正黑體" panose="020B0604030504040204" pitchFamily="34" charset="-120"/>
-                <a:ea typeface="微軟正黑體" panose="020B0604030504040204" pitchFamily="34" charset="-120"/>
-              </a:rPr>
-              <a:t> </a:t>
-            </a:r>
-            <a:r>
-              <a:rPr lang="en-US" altLang="zh-TW" b="1" dirty="0" smtClean="0">
-                <a:latin typeface="微軟正黑體" panose="020B0604030504040204" pitchFamily="34" charset="-120"/>
-                <a:ea typeface="微軟正黑體" panose="020B0604030504040204" pitchFamily="34" charset="-120"/>
-              </a:rPr>
-              <a:t>-</a:t>
-            </a:r>
-            <a:r>
-              <a:rPr lang="zh-TW" altLang="en-US" b="1" dirty="0" smtClean="0">
-                <a:latin typeface="微軟正黑體" panose="020B0604030504040204" pitchFamily="34" charset="-120"/>
-                <a:ea typeface="微軟正黑體" panose="020B0604030504040204" pitchFamily="34" charset="-120"/>
-              </a:rPr>
-              <a:t> </a:t>
-            </a:r>
-            <a:r>
-              <a:rPr lang="zh-TW" altLang="zh-TW" b="1" dirty="0" smtClean="0">
-                <a:latin typeface="微軟正黑體" panose="020B0604030504040204" pitchFamily="34" charset="-120"/>
-                <a:ea typeface="微軟正黑體" panose="020B0604030504040204" pitchFamily="34" charset="-120"/>
-              </a:rPr>
-              <a:t>虛擬小店員最懂您，茫茫電商大街中找到您的命中商品</a:t>
-            </a:r>
-            <a:endParaRPr lang="en-US" altLang="zh-TW" b="1" dirty="0" smtClean="0">
-              <a:latin typeface="微軟正黑體" panose="020B0604030504040204" pitchFamily="34" charset="-120"/>
-              <a:ea typeface="微軟正黑體" panose="020B0604030504040204" pitchFamily="34" charset="-120"/>
-            </a:endParaRPr>
-          </a:p>
-          <a:p>
-            <a:pPr algn="l"/>
-            <a:r>
-              <a:rPr lang="zh-TW" altLang="en-US" b="1" dirty="0" smtClean="0">
-                <a:latin typeface="微軟正黑體" panose="020B0604030504040204" pitchFamily="34" charset="-120"/>
-                <a:ea typeface="微軟正黑體" panose="020B0604030504040204" pitchFamily="34" charset="-120"/>
-              </a:rPr>
-              <a:t>選題二</a:t>
-            </a:r>
-            <a:r>
-              <a:rPr lang="en-US" altLang="zh-TW" b="1" dirty="0" smtClean="0">
-                <a:latin typeface="微軟正黑體" panose="020B0604030504040204" pitchFamily="34" charset="-120"/>
-                <a:ea typeface="微軟正黑體" panose="020B0604030504040204" pitchFamily="34" charset="-120"/>
-              </a:rPr>
-              <a:t> </a:t>
             </a:r>
             <a:r>
               <a:rPr lang="zh-TW" altLang="en-US" b="1" dirty="0">
@@ -8546,36 +8431,88 @@
                 <a:latin typeface="微軟正黑體" panose="020B0604030504040204" pitchFamily="34" charset="-120"/>
                 <a:ea typeface="微軟正黑體" panose="020B0604030504040204" pitchFamily="34" charset="-120"/>
               </a:rPr>
-              <a:t>全球華人</a:t>
-            </a:r>
-            <a:r>
-              <a:rPr lang="en-US" altLang="zh-TW" b="1" dirty="0" smtClean="0">
+              <a:t> </a:t>
+            </a:r>
+            <a:r>
+              <a:rPr lang="en-US" altLang="zh-TW" b="1" dirty="0">
+                <a:latin typeface="微軟正黑體" panose="020B0604030504040204" pitchFamily="34" charset="-120"/>
+                <a:ea typeface="微軟正黑體" panose="020B0604030504040204" pitchFamily="34" charset="-120"/>
+              </a:rPr>
+              <a:t>-</a:t>
+            </a:r>
+            <a:r>
+              <a:rPr lang="zh-TW" altLang="en-US" b="1" dirty="0">
+                <a:latin typeface="微軟正黑體" panose="020B0604030504040204" pitchFamily="34" charset="-120"/>
+                <a:ea typeface="微軟正黑體" panose="020B0604030504040204" pitchFamily="34" charset="-120"/>
+              </a:rPr>
+              <a:t> </a:t>
+            </a:r>
+            <a:r>
+              <a:rPr lang="zh-TW" altLang="zh-TW" b="1" dirty="0">
+                <a:latin typeface="微軟正黑體" panose="020B0604030504040204" pitchFamily="34" charset="-120"/>
+                <a:ea typeface="微軟正黑體" panose="020B0604030504040204" pitchFamily="34" charset="-120"/>
+              </a:rPr>
+              <a:t>虛擬小店員最懂您，茫茫電商大街中找到您的命中商品</a:t>
+            </a:r>
+            <a:endParaRPr lang="en-US" altLang="zh-TW" b="1" dirty="0">
+              <a:latin typeface="微軟正黑體" panose="020B0604030504040204" pitchFamily="34" charset="-120"/>
+              <a:ea typeface="微軟正黑體" panose="020B0604030504040204" pitchFamily="34" charset="-120"/>
+            </a:endParaRPr>
+          </a:p>
+          <a:p>
+            <a:pPr algn="l"/>
+            <a:r>
+              <a:rPr lang="zh-TW" altLang="en-US" b="1" dirty="0">
+                <a:latin typeface="微軟正黑體" panose="020B0604030504040204" pitchFamily="34" charset="-120"/>
+                <a:ea typeface="微軟正黑體" panose="020B0604030504040204" pitchFamily="34" charset="-120"/>
+              </a:rPr>
+              <a:t>選題二</a:t>
+            </a:r>
+            <a:r>
+              <a:rPr lang="en-US" altLang="zh-TW" b="1" dirty="0">
+                <a:latin typeface="微軟正黑體" panose="020B0604030504040204" pitchFamily="34" charset="-120"/>
+                <a:ea typeface="微軟正黑體" panose="020B0604030504040204" pitchFamily="34" charset="-120"/>
+              </a:rPr>
+              <a:t> </a:t>
+            </a:r>
+            <a:r>
+              <a:rPr lang="zh-TW" altLang="en-US" b="1" dirty="0">
                 <a:solidFill>
                   <a:schemeClr val="accent2"/>
                 </a:solidFill>
                 <a:latin typeface="微軟正黑體" panose="020B0604030504040204" pitchFamily="34" charset="-120"/>
                 <a:ea typeface="微軟正黑體" panose="020B0604030504040204" pitchFamily="34" charset="-120"/>
               </a:rPr>
-              <a:t>(1111</a:t>
-            </a:r>
-            <a:r>
-              <a:rPr lang="zh-TW" altLang="en-US" b="1" dirty="0" smtClean="0">
+              <a:t>全球華人</a:t>
+            </a:r>
+            <a:r>
+              <a:rPr lang="en-US" altLang="zh-TW" b="1" dirty="0">
                 <a:solidFill>
                   <a:schemeClr val="accent2"/>
                 </a:solidFill>
                 <a:latin typeface="微軟正黑體" panose="020B0604030504040204" pitchFamily="34" charset="-120"/>
                 <a:ea typeface="微軟正黑體" panose="020B0604030504040204" pitchFamily="34" charset="-120"/>
               </a:rPr>
-              <a:t>人力銀行</a:t>
-            </a:r>
-            <a:r>
-              <a:rPr lang="en-US" altLang="zh-TW" b="1" dirty="0" smtClean="0">
+              <a:t>(1111</a:t>
+            </a:r>
+            <a:r>
+              <a:rPr lang="zh-TW" altLang="en-US" b="1" dirty="0">
                 <a:solidFill>
                   <a:schemeClr val="accent2"/>
                 </a:solidFill>
                 <a:latin typeface="微軟正黑體" panose="020B0604030504040204" pitchFamily="34" charset="-120"/>
                 <a:ea typeface="微軟正黑體" panose="020B0604030504040204" pitchFamily="34" charset="-120"/>
               </a:rPr>
+              <a:t>人力銀行</a:t>
+            </a:r>
+            <a:r>
+              <a:rPr lang="en-US" altLang="zh-TW" b="1" dirty="0">
+                <a:solidFill>
+                  <a:schemeClr val="accent2"/>
+                </a:solidFill>
+                <a:latin typeface="微軟正黑體" panose="020B0604030504040204" pitchFamily="34" charset="-120"/>
+                <a:ea typeface="微軟正黑體" panose="020B0604030504040204" pitchFamily="34" charset="-120"/>
+              </a:rPr>
               <a:t>)</a:t>
             </a:r>
             <a:r>
@@ -8583,37 +8520,30 @@
                 <a:latin typeface="微軟正黑體" panose="020B0604030504040204" pitchFamily="34" charset="-120"/>
                 <a:ea typeface="微軟正黑體" panose="020B0604030504040204" pitchFamily="34" charset="-120"/>
               </a:rPr>
-              <a:t> </a:t>
-            </a:r>
-            <a:r>
-              <a:rPr lang="en-US" altLang="zh-TW" b="1" dirty="0" smtClean="0">
+              <a:t> - </a:t>
+            </a:r>
+            <a:r>
+              <a:rPr lang="zh-TW" altLang="en-US" b="1" dirty="0">
                 <a:latin typeface="微軟正黑體" panose="020B0604030504040204" pitchFamily="34" charset="-120"/>
                 <a:ea typeface="微軟正黑體" panose="020B0604030504040204" pitchFamily="34" charset="-120"/>
               </a:rPr>
-              <a:t>- </a:t>
-            </a:r>
-            <a:r>
-              <a:rPr lang="zh-TW" altLang="en-US" b="1" dirty="0" smtClean="0">
+              <a:t>資安</a:t>
+            </a:r>
+            <a:r>
+              <a:rPr lang="en-US" altLang="zh-TW" b="1" dirty="0">
                 <a:latin typeface="微軟正黑體" panose="020B0604030504040204" pitchFamily="34" charset="-120"/>
                 <a:ea typeface="微軟正黑體" panose="020B0604030504040204" pitchFamily="34" charset="-120"/>
               </a:rPr>
-              <a:t>資安</a:t>
-            </a:r>
-            <a:r>
-              <a:rPr lang="en-US" altLang="zh-TW" b="1" dirty="0" smtClean="0">
+              <a:t>: </a:t>
+            </a:r>
+            <a:r>
+              <a:rPr lang="zh-TW" altLang="en-US" b="1" dirty="0">
                 <a:latin typeface="微軟正黑體" panose="020B0604030504040204" pitchFamily="34" charset="-120"/>
                 <a:ea typeface="微軟正黑體" panose="020B0604030504040204" pitchFamily="34" charset="-120"/>
               </a:rPr>
-              <a:t>: </a:t>
-            </a:r>
-            <a:r>
-              <a:rPr lang="zh-TW" altLang="en-US" b="1" dirty="0" smtClean="0">
-                <a:latin typeface="微軟正黑體" panose="020B0604030504040204" pitchFamily="34" charset="-120"/>
-                <a:ea typeface="微軟正黑體" panose="020B0604030504040204" pitchFamily="34" charset="-120"/>
-              </a:rPr>
               <a:t>假徵才真盜取履歷偵測</a:t>
             </a:r>
-            <a:endParaRPr lang="en-US" altLang="zh-TW" b="1" dirty="0" smtClean="0">
+            <a:endParaRPr lang="en-US" altLang="zh-TW" b="1" dirty="0">
               <a:latin typeface="微軟正黑體" panose="020B0604030504040204" pitchFamily="34" charset="-120"/>
               <a:ea typeface="微軟正黑體" panose="020B0604030504040204" pitchFamily="34" charset="-120"/>
             </a:endParaRPr>
@@ -8630,13 +8560,6 @@
   <p:clrMapOvr>
     <a:masterClrMapping/>
   </p:clrMapOvr>
-  <p:timing>
-    <p:tnLst>
-      <p:par>
-        <p:cTn id="1" dur="indefinite" restart="never" nodeType="tmRoot"/>
-      </p:par>
-    </p:tnLst>
-  </p:timing>
 </p:sld>
 </file>
 
@@ -8680,7 +8603,7 @@
           <a:lstStyle/>
           <a:p>
             <a:r>
-              <a:rPr lang="en-US" altLang="zh-TW" sz="4800" b="1" dirty="0" smtClean="0">
+              <a:rPr lang="en-US" altLang="zh-TW" sz="4800" b="1" dirty="0">
                 <a:solidFill>
                   <a:srgbClr val="FF9900"/>
                 </a:solidFill>
@@ -8742,7 +8665,7 @@
           <a:p>
             <a:pPr algn="ctr"/>
             <a:r>
-              <a:rPr lang="en-US" altLang="zh-TW" sz="3200" b="1" dirty="0" smtClean="0">
+              <a:rPr lang="en-US" altLang="zh-TW" sz="3200" b="1" dirty="0">
                 <a:solidFill>
                   <a:schemeClr val="accent1"/>
                 </a:solidFill>
@@ -8890,7 +8813,7 @@
             <a:p>
               <a:pPr algn="ctr"/>
               <a:r>
-                <a:rPr lang="en-US" altLang="zh-TW" sz="2800" dirty="0" smtClean="0">
+                <a:rPr lang="en-US" altLang="zh-TW" sz="2800" dirty="0">
                   <a:solidFill>
                     <a:srgbClr val="FF0000"/>
                   </a:solidFill>
@@ -9006,7 +8929,7 @@
             <a:p>
               <a:pPr algn="ctr"/>
               <a:r>
-                <a:rPr lang="en-US" altLang="zh-TW" sz="2800" dirty="0" smtClean="0">
+                <a:rPr lang="en-US" altLang="zh-TW" sz="2800" dirty="0">
                   <a:solidFill>
                     <a:srgbClr val="00B0F0"/>
                   </a:solidFill>
@@ -9064,18 +8987,13 @@
             <a:p>
               <a:pPr algn="ctr"/>
               <a:r>
-                <a:rPr lang="en-US" altLang="zh-TW" sz="2800" dirty="0" smtClean="0">
+                <a:rPr lang="en-US" altLang="zh-TW" sz="2800" dirty="0">
                   <a:solidFill>
                     <a:schemeClr val="tx1"/>
                   </a:solidFill>
                 </a:rPr>
                 <a:t>Word Match</a:t>
               </a:r>
-              <a:endParaRPr lang="en-US" altLang="zh-TW" sz="2800" dirty="0">
-                <a:solidFill>
-                  <a:schemeClr val="tx1"/>
-                </a:solidFill>
-              </a:endParaRPr>
             </a:p>
           </p:txBody>
         </p:sp>
@@ -9526,17 +9444,6 @@
           <a:lstStyle/>
           <a:p>
             <a:r>
-              <a:rPr lang="en-US" altLang="zh-TW" sz="4800" b="1" dirty="0" smtClean="0">
-                <a:solidFill>
-                  <a:srgbClr val="FF9900"/>
-                </a:solidFill>
-                <a:latin typeface="微軟正黑體" panose="020B0604030504040204" pitchFamily="34" charset="-120"/>
-                <a:ea typeface="微軟正黑體" panose="020B0604030504040204" pitchFamily="34" charset="-120"/>
-                <a:cs typeface="+mn-cs"/>
-              </a:rPr>
-              <a:t>LSTM(RNN or CNN) </a:t>
-            </a:r>
-            <a:r>
               <a:rPr lang="en-US" altLang="zh-TW" sz="4800" b="1" dirty="0">
                 <a:solidFill>
                   <a:srgbClr val="FF9900"/>
@@ -9545,7 +9452,7 @@
                 <a:ea typeface="微軟正黑體" panose="020B0604030504040204" pitchFamily="34" charset="-120"/>
                 <a:cs typeface="+mn-cs"/>
               </a:rPr>
-              <a:t>+ DNN</a:t>
+              <a:t>LSTM(RNN or CNN) + DNN</a:t>
             </a:r>
             <a:endParaRPr lang="zh-TW" altLang="en-US" sz="4800" b="1" dirty="0">
               <a:solidFill>
@@ -9599,7 +9506,7 @@
           <a:p>
             <a:pPr algn="ctr"/>
             <a:r>
-              <a:rPr lang="en-US" altLang="zh-TW" dirty="0" err="1" smtClean="0">
+              <a:rPr lang="en-US" altLang="zh-TW" dirty="0" err="1">
                 <a:latin typeface="微軟正黑體" panose="020B0604030504040204" pitchFamily="34" charset="-120"/>
                 <a:ea typeface="微軟正黑體" panose="020B0604030504040204" pitchFamily="34" charset="-120"/>
               </a:rPr>
@@ -9657,14 +9564,7 @@
                 <a:latin typeface="微軟正黑體" panose="020B0604030504040204" pitchFamily="34" charset="-120"/>
                 <a:ea typeface="微軟正黑體" panose="020B0604030504040204" pitchFamily="34" charset="-120"/>
               </a:rPr>
-              <a:t>profile_</a:t>
-            </a:r>
-            <a:r>
-              <a:rPr lang="en-US" altLang="zh-TW" dirty="0" err="1" smtClean="0">
-                <a:latin typeface="微軟正黑體" panose="020B0604030504040204" pitchFamily="34" charset="-120"/>
-                <a:ea typeface="微軟正黑體" panose="020B0604030504040204" pitchFamily="34" charset="-120"/>
-              </a:rPr>
-              <a:t>cat</a:t>
+              <a:t>profile_cat</a:t>
             </a:r>
             <a:endParaRPr lang="zh-TW" altLang="en-US" dirty="0">
               <a:latin typeface="微軟正黑體" panose="020B0604030504040204" pitchFamily="34" charset="-120"/>
@@ -9750,7 +9650,7 @@
           <a:p>
             <a:pPr algn="ctr"/>
             <a:r>
-              <a:rPr lang="en-US" altLang="zh-TW" dirty="0" err="1" smtClean="0">
+              <a:rPr lang="en-US" altLang="zh-TW" dirty="0" err="1">
                 <a:solidFill>
                   <a:schemeClr val="tx1"/>
                 </a:solidFill>
@@ -9846,7 +9746,7 @@
           <a:p>
             <a:pPr algn="ctr"/>
             <a:r>
-              <a:rPr lang="en-US" altLang="zh-TW" dirty="0" smtClean="0">
+              <a:rPr lang="en-US" altLang="zh-TW" dirty="0">
                 <a:latin typeface="微軟正黑體" panose="020B0604030504040204" pitchFamily="34" charset="-120"/>
                 <a:ea typeface="微軟正黑體" panose="020B0604030504040204" pitchFamily="34" charset="-120"/>
               </a:rPr>
@@ -9856,7 +9756,7 @@
           <a:p>
             <a:pPr algn="ctr"/>
             <a:r>
-              <a:rPr lang="en-US" altLang="zh-TW" dirty="0" smtClean="0">
+              <a:rPr lang="en-US" altLang="zh-TW" dirty="0">
                 <a:latin typeface="微軟正黑體" panose="020B0604030504040204" pitchFamily="34" charset="-120"/>
                 <a:ea typeface="微軟正黑體" panose="020B0604030504040204" pitchFamily="34" charset="-120"/>
               </a:rPr>
@@ -10763,7 +10663,7 @@
           <a:p>
             <a:pPr algn="ctr"/>
             <a:r>
-              <a:rPr lang="en-US" altLang="zh-TW" dirty="0" err="1" smtClean="0">
+              <a:rPr lang="en-US" altLang="zh-TW" dirty="0" err="1">
                 <a:solidFill>
                   <a:schemeClr val="tx1"/>
                 </a:solidFill>
@@ -10772,7 +10672,7 @@
               </a:rPr>
               <a:t>concat</a:t>
             </a:r>
-            <a:endParaRPr lang="en-US" altLang="zh-TW" dirty="0" smtClean="0">
+            <a:endParaRPr lang="en-US" altLang="zh-TW" dirty="0">
               <a:solidFill>
                 <a:schemeClr val="tx1"/>
               </a:solidFill>
@@ -11264,7 +11164,7 @@
           <a:p>
             <a:pPr algn="ctr"/>
             <a:r>
-              <a:rPr lang="en-US" altLang="zh-TW" dirty="0" smtClean="0">
+              <a:rPr lang="en-US" altLang="zh-TW" dirty="0">
                 <a:solidFill>
                   <a:schemeClr val="tx1"/>
                 </a:solidFill>
@@ -11486,7 +11386,7 @@
           <a:p>
             <a:pPr algn="ctr"/>
             <a:r>
-              <a:rPr lang="en-US" altLang="zh-TW" dirty="0" smtClean="0">
+              <a:rPr lang="en-US" altLang="zh-TW" dirty="0">
                 <a:solidFill>
                   <a:schemeClr val="tx1"/>
                 </a:solidFill>
@@ -11575,7 +11475,7 @@
           <a:p>
             <a:pPr algn="ctr"/>
             <a:r>
-              <a:rPr lang="en-US" altLang="zh-TW" dirty="0" err="1" smtClean="0">
+              <a:rPr lang="en-US" altLang="zh-TW" dirty="0" err="1">
                 <a:latin typeface="微軟正黑體" panose="020B0604030504040204" pitchFamily="34" charset="-120"/>
                 <a:ea typeface="微軟正黑體" panose="020B0604030504040204" pitchFamily="34" charset="-120"/>
               </a:rPr>
@@ -11633,14 +11533,7 @@
                 <a:latin typeface="微軟正黑體" panose="020B0604030504040204" pitchFamily="34" charset="-120"/>
                 <a:ea typeface="微軟正黑體" panose="020B0604030504040204" pitchFamily="34" charset="-120"/>
               </a:rPr>
-              <a:t>profile_</a:t>
-            </a:r>
-            <a:r>
-              <a:rPr lang="en-US" altLang="zh-TW" dirty="0" err="1" smtClean="0">
-                <a:latin typeface="微軟正黑體" panose="020B0604030504040204" pitchFamily="34" charset="-120"/>
-                <a:ea typeface="微軟正黑體" panose="020B0604030504040204" pitchFamily="34" charset="-120"/>
-              </a:rPr>
-              <a:t>num</a:t>
+              <a:t>profile_num</a:t>
             </a:r>
             <a:endParaRPr lang="zh-TW" altLang="en-US" dirty="0">
               <a:latin typeface="微軟正黑體" panose="020B0604030504040204" pitchFamily="34" charset="-120"/>
@@ -11772,13 +11665,6 @@
   <p:transition spd="slow">
     <p:push dir="u"/>
   </p:transition>
-  <p:timing>
-    <p:tnLst>
-      <p:par>
-        <p:cTn id="1" dur="indefinite" restart="never" nodeType="tmRoot"/>
-      </p:par>
-    </p:tnLst>
-  </p:timing>
 </p:sld>
 </file>
 
@@ -11840,7 +11726,7 @@
           <a:p>
             <a:pPr algn="ctr"/>
             <a:r>
-              <a:rPr lang="en-US" altLang="zh-TW" dirty="0" err="1" smtClean="0">
+              <a:rPr lang="en-US" altLang="zh-TW" dirty="0" err="1">
                 <a:latin typeface="微軟正黑體" panose="020B0604030504040204" pitchFamily="34" charset="-120"/>
                 <a:ea typeface="微軟正黑體" panose="020B0604030504040204" pitchFamily="34" charset="-120"/>
               </a:rPr>
@@ -11898,14 +11784,7 @@
                 <a:latin typeface="微軟正黑體" panose="020B0604030504040204" pitchFamily="34" charset="-120"/>
                 <a:ea typeface="微軟正黑體" panose="020B0604030504040204" pitchFamily="34" charset="-120"/>
               </a:rPr>
-              <a:t>profile_</a:t>
-            </a:r>
-            <a:r>
-              <a:rPr lang="en-US" altLang="zh-TW" dirty="0" err="1" smtClean="0">
-                <a:latin typeface="微軟正黑體" panose="020B0604030504040204" pitchFamily="34" charset="-120"/>
-                <a:ea typeface="微軟正黑體" panose="020B0604030504040204" pitchFamily="34" charset="-120"/>
-              </a:rPr>
-              <a:t>cat</a:t>
+              <a:t>profile_cat</a:t>
             </a:r>
             <a:endParaRPr lang="zh-TW" altLang="en-US" dirty="0">
               <a:latin typeface="微軟正黑體" panose="020B0604030504040204" pitchFamily="34" charset="-120"/>
@@ -11991,7 +11870,7 @@
           <a:p>
             <a:pPr algn="ctr"/>
             <a:r>
-              <a:rPr lang="en-US" altLang="zh-TW" dirty="0" err="1" smtClean="0">
+              <a:rPr lang="en-US" altLang="zh-TW" dirty="0" err="1">
                 <a:solidFill>
                   <a:schemeClr val="tx1"/>
                 </a:solidFill>
@@ -12087,7 +11966,7 @@
           <a:p>
             <a:pPr algn="ctr"/>
             <a:r>
-              <a:rPr lang="en-US" altLang="zh-TW" dirty="0" smtClean="0">
+              <a:rPr lang="en-US" altLang="zh-TW" dirty="0">
                 <a:latin typeface="微軟正黑體" panose="020B0604030504040204" pitchFamily="34" charset="-120"/>
                 <a:ea typeface="微軟正黑體" panose="020B0604030504040204" pitchFamily="34" charset="-120"/>
               </a:rPr>
@@ -12097,7 +11976,7 @@
           <a:p>
             <a:pPr algn="ctr"/>
             <a:r>
-              <a:rPr lang="en-US" altLang="zh-TW" dirty="0" smtClean="0">
+              <a:rPr lang="en-US" altLang="zh-TW" dirty="0">
                 <a:latin typeface="微軟正黑體" panose="020B0604030504040204" pitchFamily="34" charset="-120"/>
                 <a:ea typeface="微軟正黑體" panose="020B0604030504040204" pitchFamily="34" charset="-120"/>
               </a:rPr>
@@ -13004,7 +12883,7 @@
           <a:p>
             <a:pPr algn="ctr"/>
             <a:r>
-              <a:rPr lang="en-US" altLang="zh-TW" dirty="0" err="1" smtClean="0">
+              <a:rPr lang="en-US" altLang="zh-TW" dirty="0" err="1">
                 <a:solidFill>
                   <a:schemeClr val="tx1"/>
                 </a:solidFill>
@@ -13013,7 +12892,7 @@
               </a:rPr>
               <a:t>concat</a:t>
             </a:r>
-            <a:endParaRPr lang="en-US" altLang="zh-TW" dirty="0" smtClean="0">
+            <a:endParaRPr lang="en-US" altLang="zh-TW" dirty="0">
               <a:solidFill>
                 <a:schemeClr val="tx1"/>
               </a:solidFill>
@@ -13505,7 +13384,7 @@
           <a:p>
             <a:pPr algn="ctr"/>
             <a:r>
-              <a:rPr lang="en-US" altLang="zh-TW" dirty="0" smtClean="0">
+              <a:rPr lang="en-US" altLang="zh-TW" dirty="0">
                 <a:solidFill>
                   <a:schemeClr val="tx1"/>
                 </a:solidFill>
@@ -13727,7 +13606,7 @@
           <a:p>
             <a:pPr algn="ctr"/>
             <a:r>
-              <a:rPr lang="en-US" altLang="zh-TW" dirty="0" smtClean="0">
+              <a:rPr lang="en-US" altLang="zh-TW" dirty="0">
                 <a:solidFill>
                   <a:schemeClr val="tx1"/>
                 </a:solidFill>
@@ -13816,7 +13695,7 @@
           <a:p>
             <a:pPr algn="ctr"/>
             <a:r>
-              <a:rPr lang="en-US" altLang="zh-TW" dirty="0" err="1" smtClean="0">
+              <a:rPr lang="en-US" altLang="zh-TW" dirty="0" err="1">
                 <a:latin typeface="微軟正黑體" panose="020B0604030504040204" pitchFamily="34" charset="-120"/>
                 <a:ea typeface="微軟正黑體" panose="020B0604030504040204" pitchFamily="34" charset="-120"/>
               </a:rPr>
@@ -13874,14 +13753,7 @@
                 <a:latin typeface="微軟正黑體" panose="020B0604030504040204" pitchFamily="34" charset="-120"/>
                 <a:ea typeface="微軟正黑體" panose="020B0604030504040204" pitchFamily="34" charset="-120"/>
               </a:rPr>
-              <a:t>profile_</a:t>
-            </a:r>
-            <a:r>
-              <a:rPr lang="en-US" altLang="zh-TW" dirty="0" err="1" smtClean="0">
-                <a:latin typeface="微軟正黑體" panose="020B0604030504040204" pitchFamily="34" charset="-120"/>
-                <a:ea typeface="微軟正黑體" panose="020B0604030504040204" pitchFamily="34" charset="-120"/>
-              </a:rPr>
-              <a:t>num</a:t>
+              <a:t>profile_num</a:t>
             </a:r>
             <a:endParaRPr lang="zh-TW" altLang="en-US" dirty="0">
               <a:latin typeface="微軟正黑體" panose="020B0604030504040204" pitchFamily="34" charset="-120"/>
@@ -13967,7 +13839,7 @@
           <a:p>
             <a:pPr algn="ctr"/>
             <a:r>
-              <a:rPr lang="en-US" altLang="zh-TW" b="1" dirty="0" smtClean="0">
+              <a:rPr lang="en-US" altLang="zh-TW" b="1" dirty="0">
                 <a:solidFill>
                   <a:schemeClr val="accent1"/>
                 </a:solidFill>
@@ -13976,13 +13848,6 @@
               </a:rPr>
               <a:t>Feature Engineering</a:t>
             </a:r>
-            <a:endParaRPr lang="en-US" altLang="zh-TW" b="1" dirty="0">
-              <a:solidFill>
-                <a:schemeClr val="accent1"/>
-              </a:solidFill>
-              <a:latin typeface="微軟正黑體" panose="020B0604030504040204" pitchFamily="34" charset="-120"/>
-              <a:ea typeface="微軟正黑體" panose="020B0604030504040204" pitchFamily="34" charset="-120"/>
-            </a:endParaRPr>
           </a:p>
         </p:txBody>
       </p:sp>
@@ -14119,17 +13984,6 @@
           <a:lstStyle/>
           <a:p>
             <a:r>
-              <a:rPr lang="en-US" altLang="zh-TW" sz="4800" b="1" dirty="0" smtClean="0">
-                <a:solidFill>
-                  <a:srgbClr val="FF9900"/>
-                </a:solidFill>
-                <a:latin typeface="微軟正黑體" panose="020B0604030504040204" pitchFamily="34" charset="-120"/>
-                <a:ea typeface="微軟正黑體" panose="020B0604030504040204" pitchFamily="34" charset="-120"/>
-                <a:cs typeface="+mn-cs"/>
-              </a:rPr>
-              <a:t>LSTM(RNN or CNN) </a:t>
-            </a:r>
-            <a:r>
               <a:rPr lang="en-US" altLang="zh-TW" sz="4800" b="1" dirty="0">
                 <a:solidFill>
                   <a:srgbClr val="FF9900"/>
@@ -14138,7 +13992,7 @@
                 <a:ea typeface="微軟正黑體" panose="020B0604030504040204" pitchFamily="34" charset="-120"/>
                 <a:cs typeface="+mn-cs"/>
               </a:rPr>
-              <a:t>+ DNN</a:t>
+              <a:t>LSTM(RNN or CNN) + DNN</a:t>
             </a:r>
             <a:endParaRPr lang="zh-TW" altLang="en-US" sz="4800" b="1" dirty="0">
               <a:solidFill>
@@ -14161,21 +14015,6 @@
   <p:clrMapOvr>
     <a:masterClrMapping/>
   </p:clrMapOvr>
-  <mc:AlternateContent xmlns:mc="http://schemas.openxmlformats.org/markup-compatibility/2006" xmlns:p14="http://schemas.microsoft.com/office/powerpoint/2010/main">
-    <mc:Choice Requires="p14">
-      <p:transition p14:dur="0"/>
-    </mc:Choice>
-    <mc:Fallback xmlns="">
-      <p:transition/>
-    </mc:Fallback>
-  </mc:AlternateContent>
-  <p:timing>
-    <p:tnLst>
-      <p:par>
-        <p:cTn id="1" dur="indefinite" restart="never" nodeType="tmRoot"/>
-      </p:par>
-    </p:tnLst>
-  </p:timing>
 </p:sld>
 </file>
 
@@ -14237,7 +14076,7 @@
           <a:p>
             <a:pPr algn="ctr"/>
             <a:r>
-              <a:rPr lang="en-US" altLang="zh-TW" dirty="0" err="1" smtClean="0">
+              <a:rPr lang="en-US" altLang="zh-TW" dirty="0" err="1">
                 <a:latin typeface="微軟正黑體" panose="020B0604030504040204" pitchFamily="34" charset="-120"/>
                 <a:ea typeface="微軟正黑體" panose="020B0604030504040204" pitchFamily="34" charset="-120"/>
               </a:rPr>
@@ -14295,14 +14134,7 @@
                 <a:latin typeface="微軟正黑體" panose="020B0604030504040204" pitchFamily="34" charset="-120"/>
                 <a:ea typeface="微軟正黑體" panose="020B0604030504040204" pitchFamily="34" charset="-120"/>
               </a:rPr>
-              <a:t>profile_</a:t>
-            </a:r>
-            <a:r>
-              <a:rPr lang="en-US" altLang="zh-TW" dirty="0" err="1" smtClean="0">
-                <a:latin typeface="微軟正黑體" panose="020B0604030504040204" pitchFamily="34" charset="-120"/>
-                <a:ea typeface="微軟正黑體" panose="020B0604030504040204" pitchFamily="34" charset="-120"/>
-              </a:rPr>
-              <a:t>cat</a:t>
+              <a:t>profile_cat</a:t>
             </a:r>
             <a:endParaRPr lang="zh-TW" altLang="en-US" dirty="0">
               <a:latin typeface="微軟正黑體" panose="020B0604030504040204" pitchFamily="34" charset="-120"/>
@@ -14484,7 +14316,7 @@
           <a:p>
             <a:pPr algn="ctr"/>
             <a:r>
-              <a:rPr lang="en-US" altLang="zh-TW" dirty="0" smtClean="0">
+              <a:rPr lang="en-US" altLang="zh-TW" dirty="0">
                 <a:latin typeface="微軟正黑體" panose="020B0604030504040204" pitchFamily="34" charset="-120"/>
                 <a:ea typeface="微軟正黑體" panose="020B0604030504040204" pitchFamily="34" charset="-120"/>
               </a:rPr>
@@ -14494,7 +14326,7 @@
           <a:p>
             <a:pPr algn="ctr"/>
             <a:r>
-              <a:rPr lang="en-US" altLang="zh-TW" dirty="0" smtClean="0">
+              <a:rPr lang="en-US" altLang="zh-TW" dirty="0">
                 <a:latin typeface="微軟正黑體" panose="020B0604030504040204" pitchFamily="34" charset="-120"/>
                 <a:ea typeface="微軟正黑體" panose="020B0604030504040204" pitchFamily="34" charset="-120"/>
               </a:rPr>
@@ -15401,7 +15233,7 @@
           <a:p>
             <a:pPr algn="ctr"/>
             <a:r>
-              <a:rPr lang="en-US" altLang="zh-TW" dirty="0" err="1" smtClean="0">
+              <a:rPr lang="en-US" altLang="zh-TW" dirty="0" err="1">
                 <a:solidFill>
                   <a:schemeClr val="tx1"/>
                 </a:solidFill>
@@ -15410,7 +15242,7 @@
               </a:rPr>
               <a:t>concat</a:t>
             </a:r>
-            <a:endParaRPr lang="en-US" altLang="zh-TW" dirty="0" smtClean="0">
+            <a:endParaRPr lang="en-US" altLang="zh-TW" dirty="0">
               <a:solidFill>
                 <a:schemeClr val="tx1"/>
               </a:solidFill>
@@ -15902,7 +15734,7 @@
           <a:p>
             <a:pPr algn="ctr"/>
             <a:r>
-              <a:rPr lang="en-US" altLang="zh-TW" dirty="0" smtClean="0">
+              <a:rPr lang="en-US" altLang="zh-TW" dirty="0">
                 <a:solidFill>
                   <a:schemeClr val="tx1"/>
                 </a:solidFill>
@@ -16124,7 +15956,7 @@
           <a:p>
             <a:pPr algn="ctr"/>
             <a:r>
-              <a:rPr lang="en-US" altLang="zh-TW" dirty="0" smtClean="0">
+              <a:rPr lang="en-US" altLang="zh-TW" dirty="0">
                 <a:solidFill>
                   <a:schemeClr val="tx1"/>
                 </a:solidFill>
@@ -16213,7 +16045,7 @@
           <a:p>
             <a:pPr algn="ctr"/>
             <a:r>
-              <a:rPr lang="en-US" altLang="zh-TW" dirty="0" err="1" smtClean="0">
+              <a:rPr lang="en-US" altLang="zh-TW" dirty="0" err="1">
                 <a:latin typeface="微軟正黑體" panose="020B0604030504040204" pitchFamily="34" charset="-120"/>
                 <a:ea typeface="微軟正黑體" panose="020B0604030504040204" pitchFamily="34" charset="-120"/>
               </a:rPr>
@@ -16271,14 +16103,7 @@
                 <a:latin typeface="微軟正黑體" panose="020B0604030504040204" pitchFamily="34" charset="-120"/>
                 <a:ea typeface="微軟正黑體" panose="020B0604030504040204" pitchFamily="34" charset="-120"/>
               </a:rPr>
-              <a:t>profile_</a:t>
-            </a:r>
-            <a:r>
-              <a:rPr lang="en-US" altLang="zh-TW" dirty="0" err="1" smtClean="0">
-                <a:latin typeface="微軟正黑體" panose="020B0604030504040204" pitchFamily="34" charset="-120"/>
-                <a:ea typeface="微軟正黑體" panose="020B0604030504040204" pitchFamily="34" charset="-120"/>
-              </a:rPr>
-              <a:t>num</a:t>
+              <a:t>profile_num</a:t>
             </a:r>
             <a:endParaRPr lang="zh-TW" altLang="en-US" dirty="0">
               <a:latin typeface="微軟正黑體" panose="020B0604030504040204" pitchFamily="34" charset="-120"/>
@@ -16364,7 +16189,7 @@
           <a:p>
             <a:pPr algn="ctr"/>
             <a:r>
-              <a:rPr lang="en-US" altLang="zh-TW" dirty="0" smtClean="0">
+              <a:rPr lang="en-US" altLang="zh-TW" dirty="0">
                 <a:solidFill>
                   <a:schemeClr val="tx1"/>
                 </a:solidFill>
@@ -16373,13 +16198,6 @@
               </a:rPr>
               <a:t>Feature Engineering</a:t>
             </a:r>
-            <a:endParaRPr lang="en-US" altLang="zh-TW" dirty="0">
-              <a:solidFill>
-                <a:schemeClr val="tx1"/>
-              </a:solidFill>
-              <a:latin typeface="微軟正黑體" panose="020B0604030504040204" pitchFamily="34" charset="-120"/>
-              <a:ea typeface="微軟正黑體" panose="020B0604030504040204" pitchFamily="34" charset="-120"/>
-            </a:endParaRPr>
           </a:p>
         </p:txBody>
       </p:sp>
@@ -16516,17 +16334,6 @@
           <a:lstStyle/>
           <a:p>
             <a:r>
-              <a:rPr lang="en-US" altLang="zh-TW" sz="4800" b="1" dirty="0" smtClean="0">
-                <a:solidFill>
-                  <a:srgbClr val="FF9900"/>
-                </a:solidFill>
-                <a:latin typeface="微軟正黑體" panose="020B0604030504040204" pitchFamily="34" charset="-120"/>
-                <a:ea typeface="微軟正黑體" panose="020B0604030504040204" pitchFamily="34" charset="-120"/>
-                <a:cs typeface="+mn-cs"/>
-              </a:rPr>
-              <a:t>LSTM(RNN or CNN) </a:t>
-            </a:r>
-            <a:r>
               <a:rPr lang="en-US" altLang="zh-TW" sz="4800" b="1" dirty="0">
                 <a:solidFill>
                   <a:srgbClr val="FF9900"/>
@@ -16535,7 +16342,7 @@
                 <a:ea typeface="微軟正黑體" panose="020B0604030504040204" pitchFamily="34" charset="-120"/>
                 <a:cs typeface="+mn-cs"/>
               </a:rPr>
-              <a:t>+ DNN</a:t>
+              <a:t>LSTM(RNN or CNN) + DNN</a:t>
             </a:r>
             <a:endParaRPr lang="zh-TW" altLang="en-US" sz="4800" b="1" dirty="0">
               <a:solidFill>
@@ -16558,21 +16365,6 @@
   <p:clrMapOvr>
     <a:masterClrMapping/>
   </p:clrMapOvr>
-  <mc:AlternateContent xmlns:mc="http://schemas.openxmlformats.org/markup-compatibility/2006" xmlns:p14="http://schemas.microsoft.com/office/powerpoint/2010/main">
-    <mc:Choice Requires="p14">
-      <p:transition p14:dur="0"/>
-    </mc:Choice>
-    <mc:Fallback xmlns="">
-      <p:transition/>
-    </mc:Fallback>
-  </mc:AlternateContent>
-  <p:timing>
-    <p:tnLst>
-      <p:par>
-        <p:cTn id="1" dur="indefinite" restart="never" nodeType="tmRoot"/>
-      </p:par>
-    </p:tnLst>
-  </p:timing>
 </p:sld>
 </file>
 
@@ -16636,7 +16428,7 @@
           <a:p>
             <a:pPr algn="ctr"/>
             <a:r>
-              <a:rPr lang="en-US" altLang="zh-TW" sz="4800" b="1" dirty="0" smtClean="0">
+              <a:rPr lang="en-US" altLang="zh-TW" sz="4800" b="1" dirty="0">
                 <a:solidFill>
                   <a:srgbClr val="FF9900"/>
                 </a:solidFill>
@@ -16692,7 +16484,7 @@
           <a:p>
             <a:pPr algn="ctr"/>
             <a:r>
-              <a:rPr lang="en-US" altLang="zh-TW" sz="2800" b="1" dirty="0" err="1" smtClean="0">
+              <a:rPr lang="en-US" altLang="zh-TW" sz="2800" b="1" dirty="0" err="1">
                 <a:solidFill>
                   <a:schemeClr val="accent1"/>
                 </a:solidFill>
@@ -16703,7 +16495,7 @@
               <a:t>Kaggle</a:t>
             </a:r>
             <a:r>
-              <a:rPr lang="zh-TW" altLang="en-US" sz="2800" b="1" dirty="0" smtClean="0">
+              <a:rPr lang="zh-TW" altLang="en-US" sz="2800" b="1" dirty="0">
                 <a:solidFill>
                   <a:schemeClr val="accent1"/>
                 </a:solidFill>
@@ -16714,7 +16506,7 @@
               <a:t> </a:t>
             </a:r>
             <a:r>
-              <a:rPr lang="en-US" altLang="zh-TW" sz="2800" b="1" dirty="0" smtClean="0">
+              <a:rPr lang="en-US" altLang="zh-TW" sz="2800" b="1" dirty="0">
                 <a:solidFill>
                   <a:schemeClr val="accent1"/>
                 </a:solidFill>
@@ -16725,7 +16517,7 @@
               <a:t>– </a:t>
             </a:r>
             <a:r>
-              <a:rPr lang="en-US" altLang="zh-TW" sz="2800" b="1" dirty="0" err="1" smtClean="0">
+              <a:rPr lang="en-US" altLang="zh-TW" sz="2800" b="1" dirty="0" err="1">
                 <a:solidFill>
                   <a:schemeClr val="accent1"/>
                 </a:solidFill>
@@ -16736,7 +16528,7 @@
               <a:t>Quara</a:t>
             </a:r>
             <a:r>
-              <a:rPr lang="en-US" altLang="zh-TW" sz="2800" b="1" dirty="0" smtClean="0">
+              <a:rPr lang="en-US" altLang="zh-TW" sz="2800" b="1" dirty="0">
                 <a:solidFill>
                   <a:schemeClr val="accent1"/>
                 </a:solidFill>
@@ -17168,21 +16960,8 @@
                   <a:schemeClr val="tx1"/>
                 </a:solidFill>
               </a:rPr>
-              <a:t>Word mover's distance(Word2Vec</a:t>
-            </a:r>
-            <a:r>
-              <a:rPr lang="en-US" altLang="zh-TW" dirty="0" smtClean="0">
-                <a:solidFill>
-                  <a:schemeClr val="tx1"/>
-                </a:solidFill>
-              </a:rPr>
-              <a:t>)</a:t>
-            </a:r>
-            <a:endParaRPr lang="en-US" altLang="zh-TW" dirty="0">
-              <a:solidFill>
-                <a:schemeClr val="tx1"/>
-              </a:solidFill>
-            </a:endParaRPr>
+              <a:t>Word mover's distance(Word2Vec)</a:t>
+            </a:r>
           </a:p>
         </p:txBody>
       </p:sp>
@@ -17234,21 +17013,8 @@
                   <a:schemeClr val="tx1"/>
                 </a:solidFill>
               </a:rPr>
-              <a:t>Edit </a:t>
-            </a:r>
-            <a:r>
-              <a:rPr lang="en-US" altLang="zh-TW" dirty="0" smtClean="0">
-                <a:solidFill>
-                  <a:schemeClr val="tx1"/>
-                </a:solidFill>
-              </a:rPr>
-              <a:t>Distance</a:t>
-            </a:r>
-            <a:endParaRPr lang="en-US" altLang="zh-TW" dirty="0">
-              <a:solidFill>
-                <a:schemeClr val="tx1"/>
-              </a:solidFill>
-            </a:endParaRPr>
+              <a:t>Edit Distance</a:t>
+            </a:r>
           </a:p>
         </p:txBody>
       </p:sp>
@@ -17300,21 +17066,8 @@
                   <a:schemeClr val="tx1"/>
                 </a:solidFill>
               </a:rPr>
-              <a:t>X</a:t>
-            </a:r>
-            <a:r>
-              <a:rPr lang="en-US" altLang="zh-TW" dirty="0" smtClean="0">
-                <a:solidFill>
-                  <a:schemeClr val="tx1"/>
-                </a:solidFill>
-              </a:rPr>
-              <a:t>GBoost</a:t>
-            </a:r>
-            <a:endParaRPr lang="en-US" altLang="zh-TW" dirty="0">
-              <a:solidFill>
-                <a:schemeClr val="tx1"/>
-              </a:solidFill>
-            </a:endParaRPr>
+              <a:t>XGBoost</a:t>
+            </a:r>
           </a:p>
         </p:txBody>
       </p:sp>
@@ -17613,18 +17366,13 @@
           <a:p>
             <a:pPr algn="ctr"/>
             <a:r>
-              <a:rPr lang="en-US" altLang="zh-TW" dirty="0" smtClean="0">
+              <a:rPr lang="en-US" altLang="zh-TW" dirty="0">
                 <a:solidFill>
                   <a:schemeClr val="tx1"/>
                 </a:solidFill>
               </a:rPr>
               <a:t>The Same</a:t>
             </a:r>
-            <a:endParaRPr lang="en-US" altLang="zh-TW" dirty="0">
-              <a:solidFill>
-                <a:schemeClr val="tx1"/>
-              </a:solidFill>
-            </a:endParaRPr>
           </a:p>
         </p:txBody>
       </p:sp>
@@ -17671,18 +17419,13 @@
           <a:p>
             <a:pPr algn="ctr"/>
             <a:r>
-              <a:rPr lang="en-US" altLang="zh-TW" dirty="0" smtClean="0">
+              <a:rPr lang="en-US" altLang="zh-TW" dirty="0">
                 <a:solidFill>
                   <a:schemeClr val="tx1"/>
                 </a:solidFill>
               </a:rPr>
               <a:t>Not The Same</a:t>
             </a:r>
-            <a:endParaRPr lang="en-US" altLang="zh-TW" dirty="0">
-              <a:solidFill>
-                <a:schemeClr val="tx1"/>
-              </a:solidFill>
-            </a:endParaRPr>
           </a:p>
         </p:txBody>
       </p:sp>
@@ -17771,13 +17514,6 @@
   <p:transition spd="slow">
     <p:push dir="u"/>
   </p:transition>
-  <p:timing>
-    <p:tnLst>
-      <p:par>
-        <p:cTn id="1" dur="indefinite" restart="never" nodeType="tmRoot"/>
-      </p:par>
-    </p:tnLst>
-  </p:timing>
 </p:sld>
 </file>
 
@@ -17841,7 +17577,7 @@
           <a:p>
             <a:pPr algn="ctr"/>
             <a:r>
-              <a:rPr lang="en-US" altLang="zh-TW" sz="4800" b="1" dirty="0" smtClean="0">
+              <a:rPr lang="en-US" altLang="zh-TW" sz="4800" b="1" dirty="0">
                 <a:solidFill>
                   <a:srgbClr val="FF9900"/>
                 </a:solidFill>
@@ -17916,21 +17652,10 @@
                 <a:ea typeface="微軟正黑體" panose="020B0604030504040204" pitchFamily="34" charset="-120"/>
                 <a:cs typeface="+mn-cs"/>
               </a:rPr>
-              <a:t>資料創新應用</a:t>
-            </a:r>
-            <a:r>
-              <a:rPr lang="zh-TW" altLang="en-US" sz="2800" b="1" dirty="0" smtClean="0">
-                <a:solidFill>
-                  <a:schemeClr val="accent1"/>
-                </a:solidFill>
-                <a:latin typeface="微軟正黑體" panose="020B0604030504040204" pitchFamily="34" charset="-120"/>
-                <a:ea typeface="微軟正黑體" panose="020B0604030504040204" pitchFamily="34" charset="-120"/>
-                <a:cs typeface="+mn-cs"/>
-              </a:rPr>
-              <a:t>競賽 </a:t>
-            </a:r>
-            <a:r>
-              <a:rPr lang="en-US" altLang="zh-TW" sz="2800" b="1" dirty="0" smtClean="0">
+              <a:t>資料創新應用競賽 </a:t>
+            </a:r>
+            <a:r>
+              <a:rPr lang="en-US" altLang="zh-TW" sz="2800" b="1" dirty="0">
                 <a:solidFill>
                   <a:schemeClr val="accent1"/>
                 </a:solidFill>
@@ -18068,13 +17793,6 @@
   <p:transition spd="slow">
     <p:push dir="u"/>
   </p:transition>
-  <p:timing>
-    <p:tnLst>
-      <p:par>
-        <p:cTn id="1" dur="indefinite" restart="never" nodeType="tmRoot"/>
-      </p:par>
-    </p:tnLst>
-  </p:timing>
 </p:sld>
 </file>
 
@@ -18158,7 +17876,7 @@
           <a:lstStyle/>
           <a:p>
             <a:r>
-              <a:rPr lang="zh-TW" altLang="en-US" sz="4400" b="1" dirty="0" smtClean="0"/>
+              <a:rPr lang="zh-TW" altLang="en-US" sz="4400" b="1" dirty="0"/>
               <a:t>王選仲</a:t>
             </a:r>
             <a:r>
@@ -18166,7 +17884,7 @@
               <a:t> </a:t>
             </a:r>
             <a:r>
-              <a:rPr lang="en-US" altLang="zh-TW" sz="3600" b="1" dirty="0" err="1" smtClean="0"/>
+              <a:rPr lang="en-US" altLang="zh-TW" sz="3600" b="1" dirty="0" err="1"/>
               <a:t>GoatWang</a:t>
             </a:r>
             <a:endParaRPr lang="zh-TW" altLang="en-US" sz="3600" b="1" dirty="0"/>
@@ -18203,27 +17921,13 @@
               <a:buChar char="•"/>
             </a:pPr>
             <a:r>
-              <a:rPr lang="zh-TW" altLang="en-US" sz="2200" b="1" dirty="0" smtClean="0">
-                <a:latin typeface="微軟正黑體" panose="020B0604030504040204" pitchFamily="34" charset="-120"/>
-                <a:ea typeface="微軟正黑體" panose="020B0604030504040204" pitchFamily="34" charset="-120"/>
-              </a:rPr>
-              <a:t>得</a:t>
-            </a:r>
-            <a:r>
               <a:rPr lang="zh-TW" altLang="en-US" sz="2200" b="1" dirty="0">
                 <a:latin typeface="微軟正黑體" panose="020B0604030504040204" pitchFamily="34" charset="-120"/>
                 <a:ea typeface="微軟正黑體" panose="020B0604030504040204" pitchFamily="34" charset="-120"/>
               </a:rPr>
-              <a:t>獎</a:t>
-            </a:r>
-            <a:r>
-              <a:rPr lang="zh-TW" altLang="en-US" sz="2200" b="1" dirty="0" smtClean="0">
-                <a:latin typeface="微軟正黑體" panose="020B0604030504040204" pitchFamily="34" charset="-120"/>
-                <a:ea typeface="微軟正黑體" panose="020B0604030504040204" pitchFamily="34" charset="-120"/>
-              </a:rPr>
-              <a:t>經歷</a:t>
-            </a:r>
-            <a:endParaRPr lang="en-US" altLang="zh-TW" sz="2200" b="1" dirty="0" smtClean="0">
+              <a:t>得獎經歷</a:t>
+            </a:r>
+            <a:endParaRPr lang="en-US" altLang="zh-TW" sz="2200" b="1" dirty="0">
               <a:latin typeface="微軟正黑體" panose="020B0604030504040204" pitchFamily="34" charset="-120"/>
               <a:ea typeface="微軟正黑體" panose="020B0604030504040204" pitchFamily="34" charset="-120"/>
             </a:endParaRPr>
@@ -18234,41 +17938,41 @@
               <a:buChar char="-"/>
             </a:pPr>
             <a:r>
-              <a:rPr lang="en-US" altLang="zh-TW" sz="2200" dirty="0" smtClean="0">
+              <a:rPr lang="en-US" altLang="zh-TW" sz="2200" dirty="0">
                 <a:latin typeface="微軟正黑體" panose="020B0604030504040204" pitchFamily="34" charset="-120"/>
                 <a:ea typeface="微軟正黑體" panose="020B0604030504040204" pitchFamily="34" charset="-120"/>
               </a:rPr>
               <a:t>2017 </a:t>
             </a:r>
             <a:r>
-              <a:rPr lang="en-US" altLang="zh-TW" sz="2200" dirty="0" err="1" smtClean="0">
+              <a:rPr lang="en-US" altLang="zh-TW" sz="2200" dirty="0" err="1">
                 <a:latin typeface="微軟正黑體" panose="020B0604030504040204" pitchFamily="34" charset="-120"/>
                 <a:ea typeface="微軟正黑體" panose="020B0604030504040204" pitchFamily="34" charset="-120"/>
               </a:rPr>
               <a:t>iThome</a:t>
             </a:r>
             <a:r>
-              <a:rPr lang="zh-TW" altLang="en-US" sz="2200" dirty="0" smtClean="0">
+              <a:rPr lang="zh-TW" altLang="en-US" sz="2200" dirty="0">
                 <a:latin typeface="微軟正黑體" panose="020B0604030504040204" pitchFamily="34" charset="-120"/>
                 <a:ea typeface="微軟正黑體" panose="020B0604030504040204" pitchFamily="34" charset="-120"/>
               </a:rPr>
               <a:t>競賽文章</a:t>
             </a:r>
             <a:r>
-              <a:rPr lang="en-US" altLang="zh-TW" sz="2200" dirty="0" smtClean="0">
+              <a:rPr lang="en-US" altLang="zh-TW" sz="2200" dirty="0">
                 <a:latin typeface="微軟正黑體" panose="020B0604030504040204" pitchFamily="34" charset="-120"/>
                 <a:ea typeface="微軟正黑體" panose="020B0604030504040204" pitchFamily="34" charset="-120"/>
               </a:rPr>
               <a:t>		</a:t>
             </a:r>
             <a:r>
-              <a:rPr lang="zh-TW" altLang="en-US" sz="2200" dirty="0" smtClean="0">
+              <a:rPr lang="zh-TW" altLang="en-US" sz="2200" dirty="0">
                 <a:latin typeface="微軟正黑體" panose="020B0604030504040204" pitchFamily="34" charset="-120"/>
                 <a:ea typeface="微軟正黑體" panose="020B0604030504040204" pitchFamily="34" charset="-120"/>
               </a:rPr>
               <a:t>   三萬人次觀看</a:t>
             </a:r>
-            <a:endParaRPr lang="en-US" altLang="zh-TW" sz="2200" dirty="0" smtClean="0">
+            <a:endParaRPr lang="en-US" altLang="zh-TW" sz="2200" dirty="0">
               <a:latin typeface="微軟正黑體" panose="020B0604030504040204" pitchFamily="34" charset="-120"/>
               <a:ea typeface="微軟正黑體" panose="020B0604030504040204" pitchFamily="34" charset="-120"/>
             </a:endParaRPr>
@@ -18279,41 +17983,34 @@
               <a:buChar char="-"/>
             </a:pPr>
             <a:r>
-              <a:rPr lang="en-US" altLang="zh-TW" sz="2200" dirty="0" smtClean="0">
+              <a:rPr lang="en-US" altLang="zh-TW" sz="2200" dirty="0">
                 <a:latin typeface="微軟正黑體" panose="020B0604030504040204" pitchFamily="34" charset="-120"/>
                 <a:ea typeface="微軟正黑體" panose="020B0604030504040204" pitchFamily="34" charset="-120"/>
               </a:rPr>
               <a:t>2017 </a:t>
             </a:r>
             <a:r>
-              <a:rPr lang="zh-TW" altLang="en-US" sz="2200" dirty="0" smtClean="0">
+              <a:rPr lang="zh-TW" altLang="en-US" sz="2200" dirty="0">
                 <a:latin typeface="微軟正黑體" panose="020B0604030504040204" pitchFamily="34" charset="-120"/>
                 <a:ea typeface="微軟正黑體" panose="020B0604030504040204" pitchFamily="34" charset="-120"/>
               </a:rPr>
               <a:t>新竹開放資料黑客松</a:t>
             </a:r>
             <a:r>
-              <a:rPr lang="en-US" altLang="zh-TW" sz="2200" dirty="0" smtClean="0">
+              <a:rPr lang="en-US" altLang="zh-TW" sz="2200" dirty="0">
                 <a:latin typeface="微軟正黑體" panose="020B0604030504040204" pitchFamily="34" charset="-120"/>
                 <a:ea typeface="微軟正黑體" panose="020B0604030504040204" pitchFamily="34" charset="-120"/>
               </a:rPr>
               <a:t>	</a:t>
             </a:r>
             <a:r>
-              <a:rPr lang="zh-TW" altLang="en-US" sz="2200" dirty="0" smtClean="0">
+              <a:rPr lang="zh-TW" altLang="en-US" sz="2200" dirty="0">
                 <a:latin typeface="微軟正黑體" panose="020B0604030504040204" pitchFamily="34" charset="-120"/>
                 <a:ea typeface="微軟正黑體" panose="020B0604030504040204" pitchFamily="34" charset="-120"/>
               </a:rPr>
-              <a:t>   第二</a:t>
-            </a:r>
-            <a:r>
-              <a:rPr lang="zh-TW" altLang="en-US" sz="2200" dirty="0" smtClean="0">
-                <a:latin typeface="微軟正黑體" panose="020B0604030504040204" pitchFamily="34" charset="-120"/>
-                <a:ea typeface="微軟正黑體" panose="020B0604030504040204" pitchFamily="34" charset="-120"/>
-              </a:rPr>
-              <a:t>名</a:t>
-            </a:r>
-            <a:endParaRPr lang="en-US" altLang="zh-TW" sz="2200" dirty="0" smtClean="0">
+              <a:t>   第二名</a:t>
+            </a:r>
+            <a:endParaRPr lang="en-US" altLang="zh-TW" sz="2200" dirty="0">
               <a:latin typeface="微軟正黑體" panose="020B0604030504040204" pitchFamily="34" charset="-120"/>
               <a:ea typeface="微軟正黑體" panose="020B0604030504040204" pitchFamily="34" charset="-120"/>
             </a:endParaRPr>
@@ -18324,62 +18021,48 @@
               <a:buChar char="-"/>
             </a:pPr>
             <a:r>
-              <a:rPr lang="en-US" altLang="zh-TW" sz="2200" dirty="0" smtClean="0">
+              <a:rPr lang="en-US" altLang="zh-TW" sz="2200" dirty="0">
                 <a:latin typeface="微軟正黑體" panose="020B0604030504040204" pitchFamily="34" charset="-120"/>
                 <a:ea typeface="微軟正黑體" panose="020B0604030504040204" pitchFamily="34" charset="-120"/>
               </a:rPr>
               <a:t>2016</a:t>
             </a:r>
             <a:r>
-              <a:rPr lang="zh-TW" altLang="en-US" sz="2200" dirty="0" smtClean="0">
+              <a:rPr lang="zh-TW" altLang="en-US" sz="2200" dirty="0">
                 <a:latin typeface="微軟正黑體" panose="020B0604030504040204" pitchFamily="34" charset="-120"/>
                 <a:ea typeface="微軟正黑體" panose="020B0604030504040204" pitchFamily="34" charset="-120"/>
               </a:rPr>
               <a:t> </a:t>
             </a:r>
             <a:r>
-              <a:rPr lang="en-US" altLang="zh-TW" sz="2200" dirty="0" smtClean="0">
+              <a:rPr lang="en-US" altLang="zh-TW" sz="2200" dirty="0">
                 <a:latin typeface="微軟正黑體" panose="020B0604030504040204" pitchFamily="34" charset="-120"/>
                 <a:ea typeface="微軟正黑體" panose="020B0604030504040204" pitchFamily="34" charset="-120"/>
               </a:rPr>
               <a:t>CASA</a:t>
             </a:r>
             <a:r>
-              <a:rPr lang="zh-TW" altLang="en-US" sz="2200" dirty="0" smtClean="0">
+              <a:rPr lang="zh-TW" altLang="en-US" sz="2200" dirty="0">
                 <a:latin typeface="微軟正黑體" panose="020B0604030504040204" pitchFamily="34" charset="-120"/>
                 <a:ea typeface="微軟正黑體" panose="020B0604030504040204" pitchFamily="34" charset="-120"/>
               </a:rPr>
               <a:t>大數據行銷爭霸戰</a:t>
             </a:r>
             <a:r>
-              <a:rPr lang="en-US" altLang="zh-TW" sz="2200" dirty="0" smtClean="0">
+              <a:rPr lang="en-US" altLang="zh-TW" sz="2200" dirty="0">
                 <a:latin typeface="微軟正黑體" panose="020B0604030504040204" pitchFamily="34" charset="-120"/>
                 <a:ea typeface="微軟正黑體" panose="020B0604030504040204" pitchFamily="34" charset="-120"/>
               </a:rPr>
               <a:t>	</a:t>
             </a:r>
             <a:r>
-              <a:rPr lang="zh-TW" altLang="en-US" sz="2200" dirty="0" smtClean="0">
+              <a:rPr lang="zh-TW" altLang="en-US" sz="2200" dirty="0">
                 <a:latin typeface="微軟正黑體" panose="020B0604030504040204" pitchFamily="34" charset="-120"/>
                 <a:ea typeface="微軟正黑體" panose="020B0604030504040204" pitchFamily="34" charset="-120"/>
               </a:rPr>
-              <a:t>   銀</a:t>
-            </a:r>
-            <a:r>
-              <a:rPr lang="zh-TW" altLang="en-US" sz="2200" dirty="0" smtClean="0">
-                <a:latin typeface="微軟正黑體" panose="020B0604030504040204" pitchFamily="34" charset="-120"/>
-                <a:ea typeface="微軟正黑體" panose="020B0604030504040204" pitchFamily="34" charset="-120"/>
-              </a:rPr>
-              <a:t>質</a:t>
-            </a:r>
-            <a:r>
-              <a:rPr lang="zh-TW" altLang="en-US" sz="2200" dirty="0" smtClean="0">
-                <a:latin typeface="微軟正黑體" panose="020B0604030504040204" pitchFamily="34" charset="-120"/>
-                <a:ea typeface="微軟正黑體" panose="020B0604030504040204" pitchFamily="34" charset="-120"/>
-              </a:rPr>
-              <a:t>獎</a:t>
-            </a:r>
-            <a:endParaRPr lang="en-US" altLang="zh-TW" sz="1400" dirty="0" smtClean="0">
+              <a:t>   銀質獎</a:t>
+            </a:r>
+            <a:endParaRPr lang="en-US" altLang="zh-TW" sz="1400" dirty="0">
               <a:latin typeface="微軟正黑體" panose="020B0604030504040204" pitchFamily="34" charset="-120"/>
             </a:endParaRPr>
           </a:p>
@@ -18395,24 +18078,12 @@
               <a:buChar char="•"/>
             </a:pPr>
             <a:r>
-              <a:rPr lang="zh-TW" altLang="en-US" sz="2200" b="1" dirty="0" smtClean="0">
-                <a:latin typeface="微軟正黑體" panose="020B0604030504040204" pitchFamily="34" charset="-120"/>
-              </a:rPr>
-              <a:t>外</a:t>
-            </a:r>
-            <a:r>
               <a:rPr lang="zh-TW" altLang="en-US" sz="2200" b="1" dirty="0">
                 <a:latin typeface="微軟正黑體" panose="020B0604030504040204" pitchFamily="34" charset="-120"/>
               </a:rPr>
-              <a:t>語</a:t>
-            </a:r>
-            <a:r>
-              <a:rPr lang="zh-TW" altLang="en-US" sz="2200" b="1" dirty="0" smtClean="0">
-                <a:latin typeface="微軟正黑體" panose="020B0604030504040204" pitchFamily="34" charset="-120"/>
-              </a:rPr>
-              <a:t>能力</a:t>
-            </a:r>
-            <a:endParaRPr lang="en-US" altLang="zh-TW" sz="2200" b="1" dirty="0" smtClean="0">
+              <a:t>外語能力</a:t>
+            </a:r>
+            <a:endParaRPr lang="en-US" altLang="zh-TW" sz="2200" b="1" dirty="0">
               <a:latin typeface="微軟正黑體" panose="020B0604030504040204" pitchFamily="34" charset="-120"/>
             </a:endParaRPr>
           </a:p>
@@ -18479,13 +18150,7 @@
               <a:rPr lang="en-US" altLang="zh-TW" sz="2200" dirty="0">
                 <a:latin typeface="微軟正黑體" panose="020B0604030504040204" pitchFamily="34" charset="-120"/>
               </a:rPr>
-              <a:t>:7</a:t>
-            </a:r>
-            <a:r>
-              <a:rPr lang="en-US" altLang="zh-TW" sz="2200" dirty="0" smtClean="0">
-                <a:latin typeface="微軟正黑體" panose="020B0604030504040204" pitchFamily="34" charset="-120"/>
-              </a:rPr>
-              <a:t>)</a:t>
+              <a:t>:7)</a:t>
             </a:r>
             <a:endParaRPr lang="en-US" altLang="zh-TW" sz="2200" dirty="0"/>
           </a:p>
@@ -18501,20 +18166,11 @@
               <a:buChar char="•"/>
             </a:pPr>
             <a:r>
-              <a:rPr lang="zh-TW" altLang="en-US" sz="2200" b="1" dirty="0" smtClean="0">
+              <a:rPr lang="zh-TW" altLang="en-US" sz="2200" b="1" dirty="0">
                 <a:latin typeface="微軟正黑體" panose="020B0604030504040204" pitchFamily="34" charset="-120"/>
               </a:rPr>
-              <a:t>聯絡</a:t>
-            </a:r>
-            <a:r>
-              <a:rPr lang="zh-TW" altLang="en-US" sz="2200" b="1" dirty="0" smtClean="0">
-                <a:latin typeface="微軟正黑體" panose="020B0604030504040204" pitchFamily="34" charset="-120"/>
-              </a:rPr>
-              <a:t>方式</a:t>
-            </a:r>
-            <a:endParaRPr lang="zh-TW" altLang="en-US" sz="2200" b="1" dirty="0" smtClean="0">
-              <a:latin typeface="微軟正黑體" panose="020B0604030504040204" pitchFamily="34" charset="-120"/>
-            </a:endParaRPr>
+              <a:t>聯絡方式</a:t>
+            </a:r>
           </a:p>
           <a:p>
             <a:pPr marL="800100" lvl="1" indent="-342900">
@@ -18522,13 +18178,13 @@
               <a:buChar char="-"/>
             </a:pPr>
             <a:r>
-              <a:rPr lang="en-US" altLang="zh-TW" sz="2200" dirty="0" smtClean="0">
+              <a:rPr lang="en-US" altLang="zh-TW" sz="2200" dirty="0">
                 <a:latin typeface="微軟正黑體" panose="020B0604030504040204" pitchFamily="34" charset="-120"/>
                 <a:hlinkClick r:id="rId4"/>
               </a:rPr>
               <a:t>jeremy4555@yahoo.com.tw</a:t>
             </a:r>
-            <a:endParaRPr lang="en-US" altLang="zh-TW" sz="2200" dirty="0" smtClean="0">
+            <a:endParaRPr lang="en-US" altLang="zh-TW" sz="2200" dirty="0">
               <a:latin typeface="微軟正黑體" panose="020B0604030504040204" pitchFamily="34" charset="-120"/>
             </a:endParaRPr>
           </a:p>
@@ -18538,7 +18194,7 @@
               <a:buChar char="-"/>
             </a:pPr>
             <a:r>
-              <a:rPr lang="en-US" altLang="zh-TW" sz="2200" dirty="0" smtClean="0">
+              <a:rPr lang="en-US" altLang="zh-TW" sz="2200" dirty="0">
                 <a:latin typeface="微軟正黑體" panose="020B0604030504040204" pitchFamily="34" charset="-120"/>
               </a:rPr>
               <a:t>0921687452</a:t>
@@ -18550,12 +18206,12 @@
               <a:buChar char="-"/>
             </a:pPr>
             <a:r>
-              <a:rPr lang="en-US" altLang="zh-TW" sz="2200" dirty="0" err="1" smtClean="0">
+              <a:rPr lang="en-US" altLang="zh-TW" sz="2200" dirty="0" err="1">
                 <a:latin typeface="微軟正黑體" panose="020B0604030504040204" pitchFamily="34" charset="-120"/>
               </a:rPr>
               <a:t>aaa</a:t>
             </a:r>
-            <a:endParaRPr lang="en-US" altLang="zh-TW" sz="2200" dirty="0" smtClean="0">
+            <a:endParaRPr lang="en-US" altLang="zh-TW" sz="2200" dirty="0">
               <a:latin typeface="微軟正黑體" panose="020B0604030504040204" pitchFamily="34" charset="-120"/>
             </a:endParaRPr>
           </a:p>
@@ -18584,7 +18240,7 @@
           <a:lstStyle/>
           <a:p>
             <a:r>
-              <a:rPr lang="en-US" altLang="zh-TW" sz="4000" b="1" dirty="0" smtClean="0">
+              <a:rPr lang="en-US" altLang="zh-TW" sz="4000" b="1" dirty="0">
                 <a:solidFill>
                   <a:srgbClr val="FF9900"/>
                 </a:solidFill>
@@ -18686,13 +18342,86 @@
       </p:transition>
     </mc:Fallback>
   </mc:AlternateContent>
-  <p:timing>
-    <p:tnLst>
-      <p:par>
-        <p:cTn id="1" dur="indefinite" restart="never" nodeType="tmRoot"/>
-      </p:par>
-    </p:tnLst>
-  </p:timing>
+</p:sld>
+</file>
+
+<file path=ppt/slides/slide17.xml><?xml version="1.0" encoding="utf-8"?>
+<p:sld xmlns:a="http://schemas.openxmlformats.org/drawingml/2006/main" xmlns:r="http://schemas.openxmlformats.org/officeDocument/2006/relationships" xmlns:p="http://schemas.openxmlformats.org/presentationml/2006/main">
+  <p:cSld>
+    <p:spTree>
+      <p:nvGrpSpPr>
+        <p:cNvPr id="1" name=""/>
+        <p:cNvGrpSpPr/>
+        <p:nvPr/>
+      </p:nvGrpSpPr>
+      <p:grpSpPr>
+        <a:xfrm>
+          <a:off x="0" y="0"/>
+          <a:ext cx="0" cy="0"/>
+          <a:chOff x="0" y="0"/>
+          <a:chExt cx="0" cy="0"/>
+        </a:xfrm>
+      </p:grpSpPr>
+      <p:sp>
+        <p:nvSpPr>
+          <p:cNvPr id="2" name="標題 1">
+            <a:extLst>
+              <a:ext uri="{FF2B5EF4-FFF2-40B4-BE49-F238E27FC236}">
+                <a16:creationId xmlns:a16="http://schemas.microsoft.com/office/drawing/2014/main" id="{A332C71E-75AE-4131-A86C-74F214AB92E1}"/>
+              </a:ext>
+            </a:extLst>
+          </p:cNvPr>
+          <p:cNvSpPr>
+            <a:spLocks noGrp="1"/>
+          </p:cNvSpPr>
+          <p:nvPr>
+            <p:ph type="title"/>
+          </p:nvPr>
+        </p:nvSpPr>
+        <p:spPr/>
+        <p:txBody>
+          <a:bodyPr/>
+          <a:lstStyle/>
+          <a:p>
+            <a:endParaRPr lang="zh-TW" altLang="en-US"/>
+          </a:p>
+        </p:txBody>
+      </p:sp>
+      <p:sp>
+        <p:nvSpPr>
+          <p:cNvPr id="3" name="內容版面配置區 2">
+            <a:extLst>
+              <a:ext uri="{FF2B5EF4-FFF2-40B4-BE49-F238E27FC236}">
+                <a16:creationId xmlns:a16="http://schemas.microsoft.com/office/drawing/2014/main" id="{C25D6242-C09C-4032-A18D-404C1E8BE4AC}"/>
+              </a:ext>
+            </a:extLst>
+          </p:cNvPr>
+          <p:cNvSpPr>
+            <a:spLocks noGrp="1"/>
+          </p:cNvSpPr>
+          <p:nvPr>
+            <p:ph idx="1"/>
+          </p:nvPr>
+        </p:nvSpPr>
+        <p:spPr/>
+        <p:txBody>
+          <a:bodyPr/>
+          <a:lstStyle/>
+          <a:p>
+            <a:endParaRPr lang="zh-TW" altLang="en-US"/>
+          </a:p>
+        </p:txBody>
+      </p:sp>
+    </p:spTree>
+    <p:extLst>
+      <p:ext uri="{BB962C8B-B14F-4D97-AF65-F5344CB8AC3E}">
+        <p14:creationId xmlns:p14="http://schemas.microsoft.com/office/powerpoint/2010/main" val="978340116"/>
+      </p:ext>
+    </p:extLst>
+  </p:cSld>
+  <p:clrMapOvr>
+    <a:masterClrMapping/>
+  </p:clrMapOvr>
 </p:sld>
 </file>
 
@@ -18751,19 +18480,9 @@
                 <a:latin typeface="微軟正黑體" panose="020B0604030504040204" pitchFamily="34" charset="-120"/>
                 <a:ea typeface="微軟正黑體" panose="020B0604030504040204" pitchFamily="34" charset="-120"/>
               </a:rPr>
-              <a:t>碩網</a:t>
-            </a:r>
-            <a:r>
-              <a:rPr lang="zh-TW" altLang="zh-TW" sz="4400" b="1" dirty="0" smtClean="0">
-                <a:solidFill>
-                  <a:schemeClr val="accent2"/>
-                </a:solidFill>
-                <a:latin typeface="微軟正黑體" panose="020B0604030504040204" pitchFamily="34" charset="-120"/>
-                <a:ea typeface="微軟正黑體" panose="020B0604030504040204" pitchFamily="34" charset="-120"/>
-              </a:rPr>
-              <a:t>資訊</a:t>
-            </a:r>
-            <a:endParaRPr lang="en-US" altLang="zh-TW" sz="4400" b="1" dirty="0" smtClean="0">
+              <a:t>碩網資訊</a:t>
+            </a:r>
+            <a:endParaRPr lang="en-US" altLang="zh-TW" sz="4400" b="1" dirty="0">
               <a:solidFill>
                 <a:schemeClr val="accent2"/>
               </a:solidFill>
@@ -18773,7 +18492,7 @@
           </a:p>
           <a:p>
             <a:pPr algn="ctr"/>
-            <a:endParaRPr lang="en-US" altLang="zh-TW" sz="4400" b="1" dirty="0" smtClean="0">
+            <a:endParaRPr lang="en-US" altLang="zh-TW" sz="4400" b="1" dirty="0">
               <a:solidFill>
                 <a:schemeClr val="accent2"/>
               </a:solidFill>
@@ -18784,18 +18503,11 @@
           <a:p>
             <a:pPr algn="ctr"/>
             <a:r>
-              <a:rPr lang="zh-TW" altLang="zh-TW" sz="3600" b="1" dirty="0" smtClean="0">
-                <a:latin typeface="微軟正黑體" panose="020B0604030504040204" pitchFamily="34" charset="-120"/>
-                <a:ea typeface="微軟正黑體" panose="020B0604030504040204" pitchFamily="34" charset="-120"/>
-              </a:rPr>
-              <a:t>虛擬</a:t>
-            </a:r>
-            <a:r>
               <a:rPr lang="zh-TW" altLang="zh-TW" sz="3600" b="1" dirty="0">
                 <a:latin typeface="微軟正黑體" panose="020B0604030504040204" pitchFamily="34" charset="-120"/>
                 <a:ea typeface="微軟正黑體" panose="020B0604030504040204" pitchFamily="34" charset="-120"/>
               </a:rPr>
-              <a:t>小店員最懂您，茫茫電商大街中找到您的命中商品</a:t>
+              <a:t>虛擬小店員最懂您，茫茫電商大街中找到您的命中商品</a:t>
             </a:r>
             <a:endParaRPr lang="en-US" altLang="zh-TW" sz="3600" b="1" dirty="0">
               <a:latin typeface="微軟正黑體" panose="020B0604030504040204" pitchFamily="34" charset="-120"/>
@@ -18820,13 +18532,6 @@
   <p:transition spd="slow">
     <p:wipe/>
   </p:transition>
-  <p:timing>
-    <p:tnLst>
-      <p:par>
-        <p:cTn id="1" dur="indefinite" restart="never" nodeType="tmRoot"/>
-      </p:par>
-    </p:tnLst>
-  </p:timing>
 </p:sld>
 </file>
 
@@ -18890,7 +18595,7 @@
           <a:p>
             <a:pPr algn="ctr"/>
             <a:r>
-              <a:rPr lang="en-US" altLang="zh-TW" sz="2800" b="1" dirty="0" smtClean="0">
+              <a:rPr lang="en-US" altLang="zh-TW" sz="2800" b="1" dirty="0">
                 <a:solidFill>
                   <a:schemeClr val="accent1"/>
                 </a:solidFill>
@@ -18952,7 +18657,7 @@
           <a:p>
             <a:pPr algn="ctr"/>
             <a:r>
-              <a:rPr lang="en-US" altLang="zh-TW" sz="2800" b="1" dirty="0" smtClean="0">
+              <a:rPr lang="en-US" altLang="zh-TW" sz="2800" b="1" dirty="0">
                 <a:solidFill>
                   <a:schemeClr val="accent1"/>
                 </a:solidFill>
@@ -19012,7 +18717,7 @@
           <a:p>
             <a:pPr algn="ctr"/>
             <a:r>
-              <a:rPr lang="en-US" altLang="zh-TW" sz="3200" b="1" u="sng" dirty="0" smtClean="0">
+              <a:rPr lang="en-US" altLang="zh-TW" sz="3200" b="1" u="sng" dirty="0">
                 <a:solidFill>
                   <a:schemeClr val="tx1"/>
                 </a:solidFill>
@@ -19072,7 +18777,7 @@
           <a:p>
             <a:pPr algn="ctr"/>
             <a:r>
-              <a:rPr lang="en-US" altLang="zh-TW" sz="3200" b="1" u="sng" dirty="0" smtClean="0">
+              <a:rPr lang="en-US" altLang="zh-TW" sz="3200" b="1" u="sng" dirty="0">
                 <a:solidFill>
                   <a:schemeClr val="tx1"/>
                 </a:solidFill>
@@ -19181,7 +18886,7 @@
           <a:p>
             <a:pPr algn="ctr"/>
             <a:r>
-              <a:rPr lang="en-US" altLang="zh-TW" sz="2800" b="1" dirty="0" smtClean="0">
+              <a:rPr lang="en-US" altLang="zh-TW" sz="2800" b="1" dirty="0">
                 <a:solidFill>
                   <a:prstClr val="black"/>
                 </a:solidFill>
@@ -19325,7 +19030,7 @@
           <a:lstStyle/>
           <a:p>
             <a:r>
-              <a:rPr lang="en-US" altLang="zh-TW" sz="4800" b="1" dirty="0" smtClean="0">
+              <a:rPr lang="en-US" altLang="zh-TW" sz="4800" b="1" dirty="0">
                 <a:solidFill>
                   <a:srgbClr val="FF9900"/>
                 </a:solidFill>
@@ -19387,7 +19092,7 @@
           <a:p>
             <a:pPr algn="ctr"/>
             <a:r>
-              <a:rPr lang="en-US" altLang="zh-TW" sz="3200" b="1" dirty="0" smtClean="0">
+              <a:rPr lang="en-US" altLang="zh-TW" sz="3200" b="1" dirty="0">
                 <a:solidFill>
                   <a:schemeClr val="accent1"/>
                 </a:solidFill>
@@ -19530,13 +19235,6 @@
   <p:transition spd="slow">
     <p:push dir="u"/>
   </p:transition>
-  <p:timing>
-    <p:tnLst>
-      <p:par>
-        <p:cTn id="1" dur="indefinite" restart="never" nodeType="tmRoot"/>
-      </p:par>
-    </p:tnLst>
-  </p:timing>
 </p:sld>
 </file>
 
@@ -19580,17 +19278,6 @@
           <a:lstStyle/>
           <a:p>
             <a:r>
-              <a:rPr lang="en-US" altLang="zh-TW" sz="4800" b="1" dirty="0" smtClean="0">
-                <a:solidFill>
-                  <a:srgbClr val="FF9900"/>
-                </a:solidFill>
-                <a:latin typeface="微軟正黑體" panose="020B0604030504040204" pitchFamily="34" charset="-120"/>
-                <a:ea typeface="微軟正黑體" panose="020B0604030504040204" pitchFamily="34" charset="-120"/>
-                <a:cs typeface="+mn-cs"/>
-              </a:rPr>
-              <a:t>LSTM(RNN or CNN) </a:t>
-            </a:r>
-            <a:r>
               <a:rPr lang="en-US" altLang="zh-TW" sz="4800" b="1" dirty="0">
                 <a:solidFill>
                   <a:srgbClr val="FF9900"/>
@@ -19599,7 +19286,7 @@
                 <a:ea typeface="微軟正黑體" panose="020B0604030504040204" pitchFamily="34" charset="-120"/>
                 <a:cs typeface="+mn-cs"/>
               </a:rPr>
-              <a:t>+ DNN</a:t>
+              <a:t>LSTM(RNN or CNN) + DNN</a:t>
             </a:r>
             <a:endParaRPr lang="zh-TW" altLang="en-US" sz="4800" b="1" dirty="0">
               <a:solidFill>
@@ -19653,7 +19340,7 @@
           <a:p>
             <a:pPr algn="ctr"/>
             <a:r>
-              <a:rPr lang="en-US" altLang="zh-TW" dirty="0" err="1" smtClean="0">
+              <a:rPr lang="en-US" altLang="zh-TW" dirty="0" err="1">
                 <a:latin typeface="微軟正黑體" panose="020B0604030504040204" pitchFamily="34" charset="-120"/>
                 <a:ea typeface="微軟正黑體" panose="020B0604030504040204" pitchFamily="34" charset="-120"/>
               </a:rPr>
@@ -19707,7 +19394,7 @@
           <a:p>
             <a:pPr algn="ctr"/>
             <a:r>
-              <a:rPr lang="en-US" altLang="zh-TW" dirty="0" err="1" smtClean="0">
+              <a:rPr lang="en-US" altLang="zh-TW" dirty="0" err="1">
                 <a:latin typeface="微軟正黑體" panose="020B0604030504040204" pitchFamily="34" charset="-120"/>
                 <a:ea typeface="微軟正黑體" panose="020B0604030504040204" pitchFamily="34" charset="-120"/>
               </a:rPr>
@@ -19761,7 +19448,7 @@
           <a:p>
             <a:pPr algn="ctr"/>
             <a:r>
-              <a:rPr lang="en-US" altLang="zh-TW" dirty="0" err="1" smtClean="0">
+              <a:rPr lang="en-US" altLang="zh-TW" dirty="0" err="1">
                 <a:latin typeface="微軟正黑體" panose="020B0604030504040204" pitchFamily="34" charset="-120"/>
                 <a:ea typeface="微軟正黑體" panose="020B0604030504040204" pitchFamily="34" charset="-120"/>
               </a:rPr>
@@ -19815,7 +19502,7 @@
           <a:p>
             <a:pPr algn="ctr"/>
             <a:r>
-              <a:rPr lang="en-US" altLang="zh-TW" dirty="0" err="1" smtClean="0">
+              <a:rPr lang="en-US" altLang="zh-TW" dirty="0" err="1">
                 <a:latin typeface="微軟正黑體" panose="020B0604030504040204" pitchFamily="34" charset="-120"/>
                 <a:ea typeface="微軟正黑體" panose="020B0604030504040204" pitchFamily="34" charset="-120"/>
               </a:rPr>
@@ -19905,7 +19592,7 @@
           <a:p>
             <a:pPr algn="ctr"/>
             <a:r>
-              <a:rPr lang="en-US" altLang="zh-TW" dirty="0" err="1" smtClean="0">
+              <a:rPr lang="en-US" altLang="zh-TW" dirty="0" err="1">
                 <a:latin typeface="微軟正黑體" panose="020B0604030504040204" pitchFamily="34" charset="-120"/>
                 <a:ea typeface="微軟正黑體" panose="020B0604030504040204" pitchFamily="34" charset="-120"/>
               </a:rPr>
@@ -19995,7 +19682,7 @@
           <a:p>
             <a:pPr algn="ctr"/>
             <a:r>
-              <a:rPr lang="en-US" altLang="zh-TW" dirty="0" err="1" smtClean="0">
+              <a:rPr lang="en-US" altLang="zh-TW" dirty="0" err="1">
                 <a:latin typeface="微軟正黑體" panose="020B0604030504040204" pitchFamily="34" charset="-120"/>
                 <a:ea typeface="微軟正黑體" panose="020B0604030504040204" pitchFamily="34" charset="-120"/>
               </a:rPr>
@@ -20085,7 +19772,7 @@
           <a:p>
             <a:pPr algn="ctr"/>
             <a:r>
-              <a:rPr lang="en-US" altLang="zh-TW" dirty="0" smtClean="0">
+              <a:rPr lang="en-US" altLang="zh-TW" dirty="0">
                 <a:latin typeface="微軟正黑體" panose="020B0604030504040204" pitchFamily="34" charset="-120"/>
                 <a:ea typeface="微軟正黑體" panose="020B0604030504040204" pitchFamily="34" charset="-120"/>
               </a:rPr>
@@ -20095,7 +19782,7 @@
           <a:p>
             <a:pPr algn="ctr"/>
             <a:r>
-              <a:rPr lang="en-US" altLang="zh-TW" dirty="0" smtClean="0">
+              <a:rPr lang="en-US" altLang="zh-TW" dirty="0">
                 <a:latin typeface="微軟正黑體" panose="020B0604030504040204" pitchFamily="34" charset="-120"/>
                 <a:ea typeface="微軟正黑體" panose="020B0604030504040204" pitchFamily="34" charset="-120"/>
               </a:rPr>
@@ -20149,28 +19836,21 @@
           <a:p>
             <a:pPr algn="ctr"/>
             <a:r>
-              <a:rPr lang="en-US" altLang="zh-TW" dirty="0" smtClean="0">
-                <a:latin typeface="微軟正黑體" panose="020B0604030504040204" pitchFamily="34" charset="-120"/>
-                <a:ea typeface="微軟正黑體" panose="020B0604030504040204" pitchFamily="34" charset="-120"/>
-              </a:rPr>
-              <a:t>LSTM</a:t>
-            </a:r>
-          </a:p>
-          <a:p>
-            <a:pPr algn="ctr"/>
-            <a:r>
               <a:rPr lang="en-US" altLang="zh-TW" dirty="0">
                 <a:latin typeface="微軟正黑體" panose="020B0604030504040204" pitchFamily="34" charset="-120"/>
                 <a:ea typeface="微軟正黑體" panose="020B0604030504040204" pitchFamily="34" charset="-120"/>
               </a:rPr>
-              <a:t>(RNN or CNN</a:t>
-            </a:r>
-            <a:r>
-              <a:rPr lang="en-US" altLang="zh-TW" dirty="0" smtClean="0">
+              <a:t>LSTM</a:t>
+            </a:r>
+          </a:p>
+          <a:p>
+            <a:pPr algn="ctr"/>
+            <a:r>
+              <a:rPr lang="en-US" altLang="zh-TW" dirty="0">
                 <a:latin typeface="微軟正黑體" panose="020B0604030504040204" pitchFamily="34" charset="-120"/>
                 <a:ea typeface="微軟正黑體" panose="020B0604030504040204" pitchFamily="34" charset="-120"/>
               </a:rPr>
-              <a:t>)</a:t>
+              <a:t>(RNN or CNN)</a:t>
             </a:r>
             <a:endParaRPr lang="zh-TW" altLang="en-US" dirty="0">
               <a:latin typeface="微軟正黑體" panose="020B0604030504040204" pitchFamily="34" charset="-120"/>
@@ -21181,7 +20861,7 @@
           <a:p>
             <a:pPr algn="ctr"/>
             <a:r>
-              <a:rPr lang="en-US" altLang="zh-TW" dirty="0" err="1" smtClean="0">
+              <a:rPr lang="en-US" altLang="zh-TW" dirty="0" err="1">
                 <a:solidFill>
                   <a:schemeClr val="tx1"/>
                 </a:solidFill>
@@ -21190,7 +20870,7 @@
               </a:rPr>
               <a:t>concat</a:t>
             </a:r>
-            <a:endParaRPr lang="en-US" altLang="zh-TW" dirty="0" smtClean="0">
+            <a:endParaRPr lang="en-US" altLang="zh-TW" dirty="0">
               <a:solidFill>
                 <a:schemeClr val="tx1"/>
               </a:solidFill>
@@ -21682,7 +21362,7 @@
           <a:p>
             <a:pPr algn="ctr"/>
             <a:r>
-              <a:rPr lang="en-US" altLang="zh-TW" dirty="0" smtClean="0">
+              <a:rPr lang="en-US" altLang="zh-TW" dirty="0">
                 <a:solidFill>
                   <a:schemeClr val="tx1"/>
                 </a:solidFill>
@@ -21904,7 +21584,7 @@
           <a:p>
             <a:pPr algn="ctr"/>
             <a:r>
-              <a:rPr lang="en-US" altLang="zh-TW" dirty="0" smtClean="0">
+              <a:rPr lang="en-US" altLang="zh-TW" dirty="0">
                 <a:solidFill>
                   <a:schemeClr val="tx1"/>
                 </a:solidFill>
@@ -21993,7 +21673,7 @@
           <a:p>
             <a:pPr algn="ctr"/>
             <a:r>
-              <a:rPr lang="en-US" altLang="zh-TW" dirty="0" err="1" smtClean="0">
+              <a:rPr lang="en-US" altLang="zh-TW" dirty="0" err="1">
                 <a:latin typeface="微軟正黑體" panose="020B0604030504040204" pitchFamily="34" charset="-120"/>
                 <a:ea typeface="微軟正黑體" panose="020B0604030504040204" pitchFamily="34" charset="-120"/>
               </a:rPr>
@@ -22083,7 +21763,7 @@
           <a:p>
             <a:pPr algn="ctr"/>
             <a:r>
-              <a:rPr lang="en-US" altLang="zh-TW" dirty="0" err="1" smtClean="0">
+              <a:rPr lang="en-US" altLang="zh-TW" dirty="0" err="1">
                 <a:latin typeface="微軟正黑體" panose="020B0604030504040204" pitchFamily="34" charset="-120"/>
                 <a:ea typeface="微軟正黑體" panose="020B0604030504040204" pitchFamily="34" charset="-120"/>
               </a:rPr>
@@ -22137,7 +21817,7 @@
           <a:p>
             <a:pPr algn="ctr"/>
             <a:r>
-              <a:rPr lang="en-US" altLang="zh-TW" dirty="0" err="1" smtClean="0">
+              <a:rPr lang="en-US" altLang="zh-TW" dirty="0" err="1">
                 <a:latin typeface="微軟正黑體" panose="020B0604030504040204" pitchFamily="34" charset="-120"/>
                 <a:ea typeface="微軟正黑體" panose="020B0604030504040204" pitchFamily="34" charset="-120"/>
               </a:rPr>
@@ -22227,7 +21907,7 @@
           <a:p>
             <a:pPr algn="ctr"/>
             <a:r>
-              <a:rPr lang="en-US" altLang="zh-TW" dirty="0" err="1" smtClean="0">
+              <a:rPr lang="en-US" altLang="zh-TW" dirty="0" err="1">
                 <a:latin typeface="微軟正黑體" panose="020B0604030504040204" pitchFamily="34" charset="-120"/>
                 <a:ea typeface="微軟正黑體" panose="020B0604030504040204" pitchFamily="34" charset="-120"/>
               </a:rPr>
@@ -22354,13 +22034,6 @@
   <p:transition spd="slow">
     <p:push dir="u"/>
   </p:transition>
-  <p:timing>
-    <p:tnLst>
-      <p:par>
-        <p:cTn id="1" dur="indefinite" restart="never" nodeType="tmRoot"/>
-      </p:par>
-    </p:tnLst>
-  </p:timing>
 </p:sld>
 </file>
 
@@ -22422,7 +22095,7 @@
           <a:p>
             <a:pPr algn="ctr"/>
             <a:r>
-              <a:rPr lang="en-US" altLang="zh-TW" dirty="0" err="1" smtClean="0">
+              <a:rPr lang="en-US" altLang="zh-TW" dirty="0" err="1">
                 <a:latin typeface="微軟正黑體" panose="020B0604030504040204" pitchFamily="34" charset="-120"/>
                 <a:ea typeface="微軟正黑體" panose="020B0604030504040204" pitchFamily="34" charset="-120"/>
               </a:rPr>
@@ -22476,7 +22149,7 @@
           <a:p>
             <a:pPr algn="ctr"/>
             <a:r>
-              <a:rPr lang="en-US" altLang="zh-TW" dirty="0" err="1" smtClean="0">
+              <a:rPr lang="en-US" altLang="zh-TW" dirty="0" err="1">
                 <a:latin typeface="微軟正黑體" panose="020B0604030504040204" pitchFamily="34" charset="-120"/>
                 <a:ea typeface="微軟正黑體" panose="020B0604030504040204" pitchFamily="34" charset="-120"/>
               </a:rPr>
@@ -22530,7 +22203,7 @@
           <a:p>
             <a:pPr algn="ctr"/>
             <a:r>
-              <a:rPr lang="en-US" altLang="zh-TW" dirty="0" err="1" smtClean="0">
+              <a:rPr lang="en-US" altLang="zh-TW" dirty="0" err="1">
                 <a:latin typeface="微軟正黑體" panose="020B0604030504040204" pitchFamily="34" charset="-120"/>
                 <a:ea typeface="微軟正黑體" panose="020B0604030504040204" pitchFamily="34" charset="-120"/>
               </a:rPr>
@@ -22584,7 +22257,7 @@
           <a:p>
             <a:pPr algn="ctr"/>
             <a:r>
-              <a:rPr lang="en-US" altLang="zh-TW" dirty="0" err="1" smtClean="0">
+              <a:rPr lang="en-US" altLang="zh-TW" dirty="0" err="1">
                 <a:latin typeface="微軟正黑體" panose="020B0604030504040204" pitchFamily="34" charset="-120"/>
                 <a:ea typeface="微軟正黑體" panose="020B0604030504040204" pitchFamily="34" charset="-120"/>
               </a:rPr>
@@ -22674,7 +22347,7 @@
           <a:p>
             <a:pPr algn="ctr"/>
             <a:r>
-              <a:rPr lang="en-US" altLang="zh-TW" dirty="0" err="1" smtClean="0">
+              <a:rPr lang="en-US" altLang="zh-TW" dirty="0" err="1">
                 <a:latin typeface="微軟正黑體" panose="020B0604030504040204" pitchFamily="34" charset="-120"/>
                 <a:ea typeface="微軟正黑體" panose="020B0604030504040204" pitchFamily="34" charset="-120"/>
               </a:rPr>
@@ -22764,7 +22437,7 @@
           <a:p>
             <a:pPr algn="ctr"/>
             <a:r>
-              <a:rPr lang="en-US" altLang="zh-TW" dirty="0" err="1" smtClean="0">
+              <a:rPr lang="en-US" altLang="zh-TW" dirty="0" err="1">
                 <a:latin typeface="微軟正黑體" panose="020B0604030504040204" pitchFamily="34" charset="-120"/>
                 <a:ea typeface="微軟正黑體" panose="020B0604030504040204" pitchFamily="34" charset="-120"/>
               </a:rPr>
@@ -22854,7 +22527,7 @@
           <a:p>
             <a:pPr algn="ctr"/>
             <a:r>
-              <a:rPr lang="en-US" altLang="zh-TW" dirty="0" smtClean="0">
+              <a:rPr lang="en-US" altLang="zh-TW" dirty="0">
                 <a:latin typeface="微軟正黑體" panose="020B0604030504040204" pitchFamily="34" charset="-120"/>
                 <a:ea typeface="微軟正黑體" panose="020B0604030504040204" pitchFamily="34" charset="-120"/>
               </a:rPr>
@@ -22864,7 +22537,7 @@
           <a:p>
             <a:pPr algn="ctr"/>
             <a:r>
-              <a:rPr lang="en-US" altLang="zh-TW" dirty="0" smtClean="0">
+              <a:rPr lang="en-US" altLang="zh-TW" dirty="0">
                 <a:latin typeface="微軟正黑體" panose="020B0604030504040204" pitchFamily="34" charset="-120"/>
                 <a:ea typeface="微軟正黑體" panose="020B0604030504040204" pitchFamily="34" charset="-120"/>
               </a:rPr>
@@ -22918,28 +22591,21 @@
           <a:p>
             <a:pPr algn="ctr"/>
             <a:r>
-              <a:rPr lang="en-US" altLang="zh-TW" dirty="0" smtClean="0">
-                <a:latin typeface="微軟正黑體" panose="020B0604030504040204" pitchFamily="34" charset="-120"/>
-                <a:ea typeface="微軟正黑體" panose="020B0604030504040204" pitchFamily="34" charset="-120"/>
-              </a:rPr>
-              <a:t>LSTM</a:t>
-            </a:r>
-          </a:p>
-          <a:p>
-            <a:pPr algn="ctr"/>
-            <a:r>
               <a:rPr lang="en-US" altLang="zh-TW" dirty="0">
                 <a:latin typeface="微軟正黑體" panose="020B0604030504040204" pitchFamily="34" charset="-120"/>
                 <a:ea typeface="微軟正黑體" panose="020B0604030504040204" pitchFamily="34" charset="-120"/>
               </a:rPr>
-              <a:t>(RNN or CNN</a:t>
-            </a:r>
-            <a:r>
-              <a:rPr lang="en-US" altLang="zh-TW" dirty="0" smtClean="0">
+              <a:t>LSTM</a:t>
+            </a:r>
+          </a:p>
+          <a:p>
+            <a:pPr algn="ctr"/>
+            <a:r>
+              <a:rPr lang="en-US" altLang="zh-TW" dirty="0">
                 <a:latin typeface="微軟正黑體" panose="020B0604030504040204" pitchFamily="34" charset="-120"/>
                 <a:ea typeface="微軟正黑體" panose="020B0604030504040204" pitchFamily="34" charset="-120"/>
               </a:rPr>
-              <a:t>)</a:t>
+              <a:t>(RNN or CNN)</a:t>
             </a:r>
             <a:endParaRPr lang="zh-TW" altLang="en-US" dirty="0">
               <a:latin typeface="微軟正黑體" panose="020B0604030504040204" pitchFamily="34" charset="-120"/>
@@ -23949,7 +23615,7 @@
           <a:p>
             <a:pPr algn="ctr"/>
             <a:r>
-              <a:rPr lang="en-US" altLang="zh-TW" dirty="0" err="1" smtClean="0">
+              <a:rPr lang="en-US" altLang="zh-TW" dirty="0" err="1">
                 <a:solidFill>
                   <a:schemeClr val="tx1"/>
                 </a:solidFill>
@@ -23958,7 +23624,7 @@
               </a:rPr>
               <a:t>concat</a:t>
             </a:r>
-            <a:endParaRPr lang="en-US" altLang="zh-TW" dirty="0" smtClean="0">
+            <a:endParaRPr lang="en-US" altLang="zh-TW" dirty="0">
               <a:solidFill>
                 <a:schemeClr val="tx1"/>
               </a:solidFill>
@@ -24450,7 +24116,7 @@
           <a:p>
             <a:pPr algn="ctr"/>
             <a:r>
-              <a:rPr lang="en-US" altLang="zh-TW" dirty="0" smtClean="0">
+              <a:rPr lang="en-US" altLang="zh-TW" dirty="0">
                 <a:solidFill>
                   <a:schemeClr val="tx1"/>
                 </a:solidFill>
@@ -24672,7 +24338,7 @@
           <a:p>
             <a:pPr algn="ctr"/>
             <a:r>
-              <a:rPr lang="en-US" altLang="zh-TW" dirty="0" smtClean="0">
+              <a:rPr lang="en-US" altLang="zh-TW" dirty="0">
                 <a:solidFill>
                   <a:schemeClr val="tx1"/>
                 </a:solidFill>
@@ -24761,7 +24427,7 @@
           <a:p>
             <a:pPr algn="ctr"/>
             <a:r>
-              <a:rPr lang="en-US" altLang="zh-TW" dirty="0" err="1" smtClean="0">
+              <a:rPr lang="en-US" altLang="zh-TW" dirty="0" err="1">
                 <a:latin typeface="微軟正黑體" panose="020B0604030504040204" pitchFamily="34" charset="-120"/>
                 <a:ea typeface="微軟正黑體" panose="020B0604030504040204" pitchFamily="34" charset="-120"/>
               </a:rPr>
@@ -24851,7 +24517,7 @@
           <a:p>
             <a:pPr algn="ctr"/>
             <a:r>
-              <a:rPr lang="en-US" altLang="zh-TW" dirty="0" err="1" smtClean="0">
+              <a:rPr lang="en-US" altLang="zh-TW" dirty="0" err="1">
                 <a:latin typeface="微軟正黑體" panose="020B0604030504040204" pitchFamily="34" charset="-120"/>
                 <a:ea typeface="微軟正黑體" panose="020B0604030504040204" pitchFamily="34" charset="-120"/>
               </a:rPr>
@@ -24905,7 +24571,7 @@
           <a:p>
             <a:pPr algn="ctr"/>
             <a:r>
-              <a:rPr lang="en-US" altLang="zh-TW" dirty="0" err="1" smtClean="0">
+              <a:rPr lang="en-US" altLang="zh-TW" dirty="0" err="1">
                 <a:latin typeface="微軟正黑體" panose="020B0604030504040204" pitchFamily="34" charset="-120"/>
                 <a:ea typeface="微軟正黑體" panose="020B0604030504040204" pitchFamily="34" charset="-120"/>
               </a:rPr>
@@ -24994,7 +24660,7 @@
           <a:p>
             <a:pPr algn="ctr"/>
             <a:r>
-              <a:rPr lang="en-US" altLang="zh-TW" dirty="0" err="1" smtClean="0">
+              <a:rPr lang="en-US" altLang="zh-TW" dirty="0" err="1">
                 <a:latin typeface="微軟正黑體" panose="020B0604030504040204" pitchFamily="34" charset="-120"/>
                 <a:ea typeface="微軟正黑體" panose="020B0604030504040204" pitchFamily="34" charset="-120"/>
               </a:rPr>
@@ -25090,25 +24756,8 @@
                 <a:latin typeface="微軟正黑體" panose="020B0604030504040204" pitchFamily="34" charset="-120"/>
                 <a:ea typeface="微軟正黑體" panose="020B0604030504040204" pitchFamily="34" charset="-120"/>
               </a:rPr>
-              <a:t>Collaborative </a:t>
-            </a:r>
-            <a:r>
-              <a:rPr lang="en-US" altLang="zh-TW" sz="2000" b="1" dirty="0" smtClean="0">
-                <a:solidFill>
-                  <a:schemeClr val="accent1"/>
-                </a:solidFill>
-                <a:latin typeface="微軟正黑體" panose="020B0604030504040204" pitchFamily="34" charset="-120"/>
-                <a:ea typeface="微軟正黑體" panose="020B0604030504040204" pitchFamily="34" charset="-120"/>
-              </a:rPr>
-              <a:t>Filtering Factor</a:t>
-            </a:r>
-            <a:endParaRPr lang="en-US" altLang="zh-TW" sz="2000" b="1" dirty="0">
-              <a:solidFill>
-                <a:schemeClr val="accent1"/>
-              </a:solidFill>
-              <a:latin typeface="微軟正黑體" panose="020B0604030504040204" pitchFamily="34" charset="-120"/>
-              <a:ea typeface="微軟正黑體" panose="020B0604030504040204" pitchFamily="34" charset="-120"/>
-            </a:endParaRPr>
+              <a:t>Collaborative Filtering Factor</a:t>
+            </a:r>
           </a:p>
         </p:txBody>
       </p:sp>
@@ -25257,7 +24906,7 @@
           </a:lstStyle>
           <a:p>
             <a:r>
-              <a:rPr lang="en-US" altLang="zh-TW" sz="4800" b="1" smtClean="0">
+              <a:rPr lang="en-US" altLang="zh-TW" sz="4800" b="1">
                 <a:solidFill>
                   <a:srgbClr val="FF9900"/>
                 </a:solidFill>
@@ -25288,21 +24937,6 @@
   <p:clrMapOvr>
     <a:masterClrMapping/>
   </p:clrMapOvr>
-  <mc:AlternateContent xmlns:mc="http://schemas.openxmlformats.org/markup-compatibility/2006" xmlns:p14="http://schemas.microsoft.com/office/powerpoint/2010/main">
-    <mc:Choice Requires="p14">
-      <p:transition p14:dur="0"/>
-    </mc:Choice>
-    <mc:Fallback xmlns="">
-      <p:transition/>
-    </mc:Fallback>
-  </mc:AlternateContent>
-  <p:timing>
-    <p:tnLst>
-      <p:par>
-        <p:cTn id="1" dur="indefinite" restart="never" nodeType="tmRoot"/>
-      </p:par>
-    </p:tnLst>
-  </p:timing>
 </p:sld>
 </file>
 
@@ -25364,7 +24998,7 @@
           <a:p>
             <a:pPr algn="ctr"/>
             <a:r>
-              <a:rPr lang="en-US" altLang="zh-TW" dirty="0" err="1" smtClean="0">
+              <a:rPr lang="en-US" altLang="zh-TW" dirty="0" err="1">
                 <a:latin typeface="微軟正黑體" panose="020B0604030504040204" pitchFamily="34" charset="-120"/>
                 <a:ea typeface="微軟正黑體" panose="020B0604030504040204" pitchFamily="34" charset="-120"/>
               </a:rPr>
@@ -25418,7 +25052,7 @@
           <a:p>
             <a:pPr algn="ctr"/>
             <a:r>
-              <a:rPr lang="en-US" altLang="zh-TW" dirty="0" err="1" smtClean="0">
+              <a:rPr lang="en-US" altLang="zh-TW" dirty="0" err="1">
                 <a:latin typeface="微軟正黑體" panose="020B0604030504040204" pitchFamily="34" charset="-120"/>
                 <a:ea typeface="微軟正黑體" panose="020B0604030504040204" pitchFamily="34" charset="-120"/>
               </a:rPr>
@@ -25472,7 +25106,7 @@
           <a:p>
             <a:pPr algn="ctr"/>
             <a:r>
-              <a:rPr lang="en-US" altLang="zh-TW" dirty="0" err="1" smtClean="0">
+              <a:rPr lang="en-US" altLang="zh-TW" dirty="0" err="1">
                 <a:latin typeface="微軟正黑體" panose="020B0604030504040204" pitchFamily="34" charset="-120"/>
                 <a:ea typeface="微軟正黑體" panose="020B0604030504040204" pitchFamily="34" charset="-120"/>
               </a:rPr>
@@ -25526,7 +25160,7 @@
           <a:p>
             <a:pPr algn="ctr"/>
             <a:r>
-              <a:rPr lang="en-US" altLang="zh-TW" dirty="0" err="1" smtClean="0">
+              <a:rPr lang="en-US" altLang="zh-TW" dirty="0" err="1">
                 <a:latin typeface="微軟正黑體" panose="020B0604030504040204" pitchFamily="34" charset="-120"/>
                 <a:ea typeface="微軟正黑體" panose="020B0604030504040204" pitchFamily="34" charset="-120"/>
               </a:rPr>
@@ -25616,7 +25250,7 @@
           <a:p>
             <a:pPr algn="ctr"/>
             <a:r>
-              <a:rPr lang="en-US" altLang="zh-TW" b="1" dirty="0" err="1" smtClean="0">
+              <a:rPr lang="en-US" altLang="zh-TW" b="1" dirty="0" err="1">
                 <a:solidFill>
                   <a:schemeClr val="accent1"/>
                 </a:solidFill>
@@ -25712,7 +25346,7 @@
           <a:p>
             <a:pPr algn="ctr"/>
             <a:r>
-              <a:rPr lang="en-US" altLang="zh-TW" b="1" dirty="0" err="1" smtClean="0">
+              <a:rPr lang="en-US" altLang="zh-TW" b="1" dirty="0" err="1">
                 <a:solidFill>
                   <a:schemeClr val="accent1"/>
                 </a:solidFill>
@@ -25808,7 +25442,7 @@
           <a:p>
             <a:pPr algn="ctr"/>
             <a:r>
-              <a:rPr lang="en-US" altLang="zh-TW" dirty="0" smtClean="0">
+              <a:rPr lang="en-US" altLang="zh-TW" dirty="0">
                 <a:latin typeface="微軟正黑體" panose="020B0604030504040204" pitchFamily="34" charset="-120"/>
                 <a:ea typeface="微軟正黑體" panose="020B0604030504040204" pitchFamily="34" charset="-120"/>
               </a:rPr>
@@ -25818,7 +25452,7 @@
           <a:p>
             <a:pPr algn="ctr"/>
             <a:r>
-              <a:rPr lang="en-US" altLang="zh-TW" dirty="0" smtClean="0">
+              <a:rPr lang="en-US" altLang="zh-TW" dirty="0">
                 <a:latin typeface="微軟正黑體" panose="020B0604030504040204" pitchFamily="34" charset="-120"/>
                 <a:ea typeface="微軟正黑體" panose="020B0604030504040204" pitchFamily="34" charset="-120"/>
               </a:rPr>
@@ -25872,28 +25506,21 @@
           <a:p>
             <a:pPr algn="ctr"/>
             <a:r>
-              <a:rPr lang="en-US" altLang="zh-TW" dirty="0" smtClean="0">
-                <a:latin typeface="微軟正黑體" panose="020B0604030504040204" pitchFamily="34" charset="-120"/>
-                <a:ea typeface="微軟正黑體" panose="020B0604030504040204" pitchFamily="34" charset="-120"/>
-              </a:rPr>
-              <a:t>LSTM</a:t>
-            </a:r>
-          </a:p>
-          <a:p>
-            <a:pPr algn="ctr"/>
-            <a:r>
               <a:rPr lang="en-US" altLang="zh-TW" dirty="0">
                 <a:latin typeface="微軟正黑體" panose="020B0604030504040204" pitchFamily="34" charset="-120"/>
                 <a:ea typeface="微軟正黑體" panose="020B0604030504040204" pitchFamily="34" charset="-120"/>
               </a:rPr>
-              <a:t>(RNN or CNN</a:t>
-            </a:r>
-            <a:r>
-              <a:rPr lang="en-US" altLang="zh-TW" dirty="0" smtClean="0">
+              <a:t>LSTM</a:t>
+            </a:r>
+          </a:p>
+          <a:p>
+            <a:pPr algn="ctr"/>
+            <a:r>
+              <a:rPr lang="en-US" altLang="zh-TW" dirty="0">
                 <a:latin typeface="微軟正黑體" panose="020B0604030504040204" pitchFamily="34" charset="-120"/>
                 <a:ea typeface="微軟正黑體" panose="020B0604030504040204" pitchFamily="34" charset="-120"/>
               </a:rPr>
-              <a:t>)</a:t>
+              <a:t>(RNN or CNN)</a:t>
             </a:r>
             <a:endParaRPr lang="zh-TW" altLang="en-US" dirty="0">
               <a:latin typeface="微軟正黑體" panose="020B0604030504040204" pitchFamily="34" charset="-120"/>
@@ -26904,7 +26531,7 @@
           <a:p>
             <a:pPr algn="ctr"/>
             <a:r>
-              <a:rPr lang="en-US" altLang="zh-TW" dirty="0" err="1" smtClean="0">
+              <a:rPr lang="en-US" altLang="zh-TW" dirty="0" err="1">
                 <a:solidFill>
                   <a:schemeClr val="tx1"/>
                 </a:solidFill>
@@ -26913,7 +26540,7 @@
               </a:rPr>
               <a:t>concat</a:t>
             </a:r>
-            <a:endParaRPr lang="en-US" altLang="zh-TW" dirty="0" smtClean="0">
+            <a:endParaRPr lang="en-US" altLang="zh-TW" dirty="0">
               <a:solidFill>
                 <a:schemeClr val="tx1"/>
               </a:solidFill>
@@ -27405,7 +27032,7 @@
           <a:p>
             <a:pPr algn="ctr"/>
             <a:r>
-              <a:rPr lang="en-US" altLang="zh-TW" dirty="0" smtClean="0">
+              <a:rPr lang="en-US" altLang="zh-TW" dirty="0">
                 <a:solidFill>
                   <a:schemeClr val="tx1"/>
                 </a:solidFill>
@@ -27627,7 +27254,7 @@
           <a:p>
             <a:pPr algn="ctr"/>
             <a:r>
-              <a:rPr lang="en-US" altLang="zh-TW" dirty="0" smtClean="0">
+              <a:rPr lang="en-US" altLang="zh-TW" dirty="0">
                 <a:solidFill>
                   <a:schemeClr val="tx1"/>
                 </a:solidFill>
@@ -27716,7 +27343,7 @@
           <a:p>
             <a:pPr algn="ctr"/>
             <a:r>
-              <a:rPr lang="en-US" altLang="zh-TW" dirty="0" err="1" smtClean="0">
+              <a:rPr lang="en-US" altLang="zh-TW" dirty="0" err="1">
                 <a:latin typeface="微軟正黑體" panose="020B0604030504040204" pitchFamily="34" charset="-120"/>
                 <a:ea typeface="微軟正黑體" panose="020B0604030504040204" pitchFamily="34" charset="-120"/>
               </a:rPr>
@@ -27806,7 +27433,7 @@
           <a:p>
             <a:pPr algn="ctr"/>
             <a:r>
-              <a:rPr lang="en-US" altLang="zh-TW" dirty="0" err="1" smtClean="0">
+              <a:rPr lang="en-US" altLang="zh-TW" dirty="0" err="1">
                 <a:latin typeface="微軟正黑體" panose="020B0604030504040204" pitchFamily="34" charset="-120"/>
                 <a:ea typeface="微軟正黑體" panose="020B0604030504040204" pitchFamily="34" charset="-120"/>
               </a:rPr>
@@ -27860,7 +27487,7 @@
           <a:p>
             <a:pPr algn="ctr"/>
             <a:r>
-              <a:rPr lang="en-US" altLang="zh-TW" dirty="0" err="1" smtClean="0">
+              <a:rPr lang="en-US" altLang="zh-TW" dirty="0" err="1">
                 <a:latin typeface="微軟正黑體" panose="020B0604030504040204" pitchFamily="34" charset="-120"/>
                 <a:ea typeface="微軟正黑體" panose="020B0604030504040204" pitchFamily="34" charset="-120"/>
               </a:rPr>
@@ -27950,7 +27577,7 @@
           <a:p>
             <a:pPr algn="ctr"/>
             <a:r>
-              <a:rPr lang="en-US" altLang="zh-TW" dirty="0" err="1" smtClean="0">
+              <a:rPr lang="en-US" altLang="zh-TW" dirty="0" err="1">
                 <a:latin typeface="微軟正黑體" panose="020B0604030504040204" pitchFamily="34" charset="-120"/>
                 <a:ea typeface="微軟正黑體" panose="020B0604030504040204" pitchFamily="34" charset="-120"/>
               </a:rPr>
@@ -28044,25 +27671,8 @@
                 <a:latin typeface="微軟正黑體" panose="020B0604030504040204" pitchFamily="34" charset="-120"/>
                 <a:ea typeface="微軟正黑體" panose="020B0604030504040204" pitchFamily="34" charset="-120"/>
               </a:rPr>
-              <a:t>Collaborative </a:t>
-            </a:r>
-            <a:r>
-              <a:rPr lang="en-US" altLang="zh-TW" dirty="0" smtClean="0">
-                <a:solidFill>
-                  <a:schemeClr val="tx1"/>
-                </a:solidFill>
-                <a:latin typeface="微軟正黑體" panose="020B0604030504040204" pitchFamily="34" charset="-120"/>
-                <a:ea typeface="微軟正黑體" panose="020B0604030504040204" pitchFamily="34" charset="-120"/>
-              </a:rPr>
-              <a:t>Filtering Factor</a:t>
-            </a:r>
-            <a:endParaRPr lang="en-US" altLang="zh-TW" dirty="0">
-              <a:solidFill>
-                <a:schemeClr val="tx1"/>
-              </a:solidFill>
-              <a:latin typeface="微軟正黑體" panose="020B0604030504040204" pitchFamily="34" charset="-120"/>
-              <a:ea typeface="微軟正黑體" panose="020B0604030504040204" pitchFamily="34" charset="-120"/>
-            </a:endParaRPr>
+              <a:t>Collaborative Filtering Factor</a:t>
+            </a:r>
           </a:p>
         </p:txBody>
       </p:sp>
@@ -28193,17 +27803,6 @@
           <a:lstStyle/>
           <a:p>
             <a:r>
-              <a:rPr lang="en-US" altLang="zh-TW" sz="4800" b="1" dirty="0" smtClean="0">
-                <a:solidFill>
-                  <a:srgbClr val="FF9900"/>
-                </a:solidFill>
-                <a:latin typeface="微軟正黑體" panose="020B0604030504040204" pitchFamily="34" charset="-120"/>
-                <a:ea typeface="微軟正黑體" panose="020B0604030504040204" pitchFamily="34" charset="-120"/>
-                <a:cs typeface="+mn-cs"/>
-              </a:rPr>
-              <a:t>LSTM(RNN or CNN) </a:t>
-            </a:r>
-            <a:r>
               <a:rPr lang="en-US" altLang="zh-TW" sz="4800" b="1" dirty="0">
                 <a:solidFill>
                   <a:srgbClr val="FF9900"/>
@@ -28212,7 +27811,7 @@
                 <a:ea typeface="微軟正黑體" panose="020B0604030504040204" pitchFamily="34" charset="-120"/>
                 <a:cs typeface="+mn-cs"/>
               </a:rPr>
-              <a:t>+ DNN</a:t>
+              <a:t>LSTM(RNN or CNN) + DNN</a:t>
             </a:r>
             <a:endParaRPr lang="zh-TW" altLang="en-US" sz="4800" b="1" dirty="0">
               <a:solidFill>
@@ -28235,21 +27834,6 @@
   <p:clrMapOvr>
     <a:masterClrMapping/>
   </p:clrMapOvr>
-  <mc:AlternateContent xmlns:mc="http://schemas.openxmlformats.org/markup-compatibility/2006" xmlns:p14="http://schemas.microsoft.com/office/powerpoint/2010/main">
-    <mc:Choice Requires="p14">
-      <p:transition p14:dur="0"/>
-    </mc:Choice>
-    <mc:Fallback xmlns="">
-      <p:transition/>
-    </mc:Fallback>
-  </mc:AlternateContent>
-  <p:timing>
-    <p:tnLst>
-      <p:par>
-        <p:cTn id="1" dur="indefinite" restart="never" nodeType="tmRoot"/>
-      </p:par>
-    </p:tnLst>
-  </p:timing>
 </p:sld>
 </file>
 
@@ -28342,7 +27926,7 @@
           <a:p>
             <a:pPr algn="ctr"/>
             <a:r>
-              <a:rPr lang="en-US" altLang="zh-TW" sz="4800" b="1" dirty="0" smtClean="0">
+              <a:rPr lang="en-US" altLang="zh-TW" sz="4800" b="1" dirty="0">
                 <a:solidFill>
                   <a:srgbClr val="FF9900"/>
                 </a:solidFill>
@@ -28398,7 +27982,7 @@
           <a:p>
             <a:pPr algn="ctr"/>
             <a:r>
-              <a:rPr lang="en-US" altLang="zh-TW" sz="2800" b="1" dirty="0" err="1" smtClean="0">
+              <a:rPr lang="en-US" altLang="zh-TW" sz="2800" b="1" dirty="0" err="1">
                 <a:solidFill>
                   <a:schemeClr val="accent1"/>
                 </a:solidFill>
@@ -28409,7 +27993,7 @@
               <a:t>Kaggle</a:t>
             </a:r>
             <a:r>
-              <a:rPr lang="zh-TW" altLang="en-US" sz="2800" b="1" dirty="0" smtClean="0">
+              <a:rPr lang="zh-TW" altLang="en-US" sz="2800" b="1" dirty="0">
                 <a:solidFill>
                   <a:schemeClr val="accent1"/>
                 </a:solidFill>
@@ -28452,14 +28036,6 @@
               </a:rPr>
               <a:t> Price Suggestion Challenge</a:t>
             </a:r>
-            <a:endParaRPr lang="en-US" altLang="zh-TW" sz="2800" b="1" dirty="0" smtClean="0">
-              <a:solidFill>
-                <a:schemeClr val="accent1"/>
-              </a:solidFill>
-              <a:latin typeface="微軟正黑體" panose="020B0604030504040204" pitchFamily="34" charset="-120"/>
-              <a:ea typeface="微軟正黑體" panose="020B0604030504040204" pitchFamily="34" charset="-120"/>
-              <a:cs typeface="+mn-cs"/>
-            </a:endParaRPr>
           </a:p>
         </p:txBody>
       </p:sp>
@@ -28576,13 +28152,6 @@
   <p:transition spd="slow">
     <p:push dir="u"/>
   </p:transition>
-  <p:timing>
-    <p:tnLst>
-      <p:par>
-        <p:cTn id="1" dur="indefinite" restart="never" nodeType="tmRoot"/>
-      </p:par>
-    </p:tnLst>
-  </p:timing>
 </p:sld>
 </file>
 
@@ -28646,7 +28215,7 @@
           <a:p>
             <a:pPr algn="ctr"/>
             <a:r>
-              <a:rPr lang="en-US" altLang="zh-TW" sz="4800" b="1" dirty="0" smtClean="0">
+              <a:rPr lang="en-US" altLang="zh-TW" sz="4800" b="1" dirty="0">
                 <a:solidFill>
                   <a:srgbClr val="FF9900"/>
                 </a:solidFill>
@@ -28702,7 +28271,7 @@
           <a:p>
             <a:pPr algn="ctr"/>
             <a:r>
-              <a:rPr lang="en-US" altLang="zh-TW" sz="2800" b="1" dirty="0" err="1" smtClean="0">
+              <a:rPr lang="en-US" altLang="zh-TW" sz="2800" b="1" dirty="0" err="1">
                 <a:solidFill>
                   <a:schemeClr val="accent1"/>
                 </a:solidFill>
@@ -28713,7 +28282,7 @@
               <a:t>Chatbot</a:t>
             </a:r>
             <a:r>
-              <a:rPr lang="en-US" altLang="zh-TW" sz="2800" b="1" dirty="0" smtClean="0">
+              <a:rPr lang="en-US" altLang="zh-TW" sz="2800" b="1" dirty="0">
                 <a:solidFill>
                   <a:schemeClr val="accent1"/>
                 </a:solidFill>
@@ -28882,13 +28451,6 @@
   <p:transition spd="slow">
     <p:push dir="u"/>
   </p:transition>
-  <p:timing>
-    <p:tnLst>
-      <p:par>
-        <p:cTn id="1" dur="indefinite" restart="never" nodeType="tmRoot"/>
-      </p:par>
-    </p:tnLst>
-  </p:timing>
 </p:sld>
 </file>
 
@@ -28937,24 +28499,7 @@
                 <a:latin typeface="微軟正黑體" panose="020B0604030504040204" pitchFamily="34" charset="-120"/>
                 <a:ea typeface="微軟正黑體" panose="020B0604030504040204" pitchFamily="34" charset="-120"/>
               </a:rPr>
-              <a:t>選題</a:t>
-            </a:r>
-            <a:r>
-              <a:rPr lang="zh-TW" altLang="en-US" sz="4400" b="1" dirty="0" smtClean="0">
-                <a:latin typeface="微軟正黑體" panose="020B0604030504040204" pitchFamily="34" charset="-120"/>
-                <a:ea typeface="微軟正黑體" panose="020B0604030504040204" pitchFamily="34" charset="-120"/>
-              </a:rPr>
-              <a:t>二 </a:t>
-            </a:r>
-            <a:r>
-              <a:rPr lang="zh-TW" altLang="en-US" sz="4400" b="1" dirty="0" smtClean="0">
-                <a:solidFill>
-                  <a:schemeClr val="accent2"/>
-                </a:solidFill>
-                <a:latin typeface="微軟正黑體" panose="020B0604030504040204" pitchFamily="34" charset="-120"/>
-                <a:ea typeface="微軟正黑體" panose="020B0604030504040204" pitchFamily="34" charset="-120"/>
-              </a:rPr>
-              <a:t>全球</a:t>
+              <a:t>選題二 </a:t>
             </a:r>
             <a:r>
               <a:rPr lang="zh-TW" altLang="en-US" sz="4400" b="1" dirty="0">
@@ -28964,7 +28509,7 @@
                 <a:latin typeface="微軟正黑體" panose="020B0604030504040204" pitchFamily="34" charset="-120"/>
                 <a:ea typeface="微軟正黑體" panose="020B0604030504040204" pitchFamily="34" charset="-120"/>
               </a:rPr>
-              <a:t>華人</a:t>
+              <a:t>全球華人</a:t>
             </a:r>
             <a:r>
               <a:rPr lang="en-US" altLang="zh-TW" sz="4400" b="1" dirty="0">
@@ -28987,7 +28532,7 @@
               <a:t>人力銀行</a:t>
             </a:r>
             <a:r>
-              <a:rPr lang="en-US" altLang="zh-TW" sz="4400" b="1" dirty="0" smtClean="0">
+              <a:rPr lang="en-US" altLang="zh-TW" sz="4400" b="1" dirty="0">
                 <a:solidFill>
                   <a:schemeClr val="accent2"/>
                 </a:solidFill>
@@ -28999,7 +28544,7 @@
           </a:p>
           <a:p>
             <a:pPr algn="ctr"/>
-            <a:endParaRPr lang="en-US" altLang="zh-TW" sz="4400" b="1" dirty="0" smtClean="0">
+            <a:endParaRPr lang="en-US" altLang="zh-TW" sz="4400" b="1" dirty="0">
               <a:latin typeface="微軟正黑體" panose="020B0604030504040204" pitchFamily="34" charset="-120"/>
               <a:ea typeface="微軟正黑體" panose="020B0604030504040204" pitchFamily="34" charset="-120"/>
             </a:endParaRPr>
@@ -29011,17 +28556,10 @@
                 <a:latin typeface="微軟正黑體" panose="020B0604030504040204" pitchFamily="34" charset="-120"/>
                 <a:ea typeface="微軟正黑體" panose="020B0604030504040204" pitchFamily="34" charset="-120"/>
               </a:rPr>
-              <a:t>資</a:t>
-            </a:r>
-            <a:r>
-              <a:rPr lang="zh-TW" altLang="en-US" sz="3600" b="1" dirty="0" smtClean="0">
-                <a:latin typeface="微軟正黑體" panose="020B0604030504040204" pitchFamily="34" charset="-120"/>
-                <a:ea typeface="微軟正黑體" panose="020B0604030504040204" pitchFamily="34" charset="-120"/>
-              </a:rPr>
-              <a:t>安</a:t>
-            </a:r>
-            <a:r>
-              <a:rPr lang="en-US" altLang="zh-TW" sz="3600" b="1" dirty="0" smtClean="0">
+              <a:t>資安</a:t>
+            </a:r>
+            <a:r>
+              <a:rPr lang="en-US" altLang="zh-TW" sz="3600" b="1" dirty="0">
                 <a:latin typeface="微軟正黑體" panose="020B0604030504040204" pitchFamily="34" charset="-120"/>
                 <a:ea typeface="微軟正黑體" panose="020B0604030504040204" pitchFamily="34" charset="-120"/>
               </a:rPr>
@@ -29032,19 +28570,8 @@
                 <a:latin typeface="微軟正黑體" panose="020B0604030504040204" pitchFamily="34" charset="-120"/>
                 <a:ea typeface="微軟正黑體" panose="020B0604030504040204" pitchFamily="34" charset="-120"/>
               </a:rPr>
-              <a:t>假徵才真盜取履歷</a:t>
-            </a:r>
-            <a:r>
-              <a:rPr lang="zh-TW" altLang="en-US" sz="3600" b="1" dirty="0" smtClean="0">
-                <a:latin typeface="微軟正黑體" panose="020B0604030504040204" pitchFamily="34" charset="-120"/>
-                <a:ea typeface="微軟正黑體" panose="020B0604030504040204" pitchFamily="34" charset="-120"/>
-              </a:rPr>
-              <a:t>偵測</a:t>
-            </a:r>
-            <a:endParaRPr lang="zh-TW" altLang="en-US" sz="3600" b="1" dirty="0">
-              <a:latin typeface="微軟正黑體" panose="020B0604030504040204" pitchFamily="34" charset="-120"/>
-              <a:ea typeface="微軟正黑體" panose="020B0604030504040204" pitchFamily="34" charset="-120"/>
-            </a:endParaRPr>
+              <a:t>假徵才真盜取履歷偵測</a:t>
+            </a:r>
           </a:p>
         </p:txBody>
       </p:sp>
@@ -29061,13 +28588,6 @@
   <p:transition spd="slow">
     <p:wipe/>
   </p:transition>
-  <p:timing>
-    <p:tnLst>
-      <p:par>
-        <p:cTn id="1" dur="indefinite" restart="never" nodeType="tmRoot"/>
-      </p:par>
-    </p:tnLst>
-  </p:timing>
 </p:sld>
 </file>
 
